--- a/Horse_Racing.pptx
+++ b/Horse_Racing.pptx
@@ -8,17 +8,33 @@
     <p:sldId id="256" r:id="rId2"/>
     <p:sldId id="257" r:id="rId3"/>
     <p:sldId id="260" r:id="rId4"/>
-    <p:sldId id="261" r:id="rId5"/>
-    <p:sldId id="262" r:id="rId6"/>
-    <p:sldId id="263" r:id="rId7"/>
-    <p:sldId id="264" r:id="rId8"/>
-    <p:sldId id="258" r:id="rId9"/>
-    <p:sldId id="259" r:id="rId10"/>
-    <p:sldId id="265" r:id="rId11"/>
-    <p:sldId id="266" r:id="rId12"/>
-    <p:sldId id="267" r:id="rId13"/>
-    <p:sldId id="268" r:id="rId14"/>
-    <p:sldId id="269" r:id="rId15"/>
+    <p:sldId id="270" r:id="rId5"/>
+    <p:sldId id="261" r:id="rId6"/>
+    <p:sldId id="271" r:id="rId7"/>
+    <p:sldId id="262" r:id="rId8"/>
+    <p:sldId id="263" r:id="rId9"/>
+    <p:sldId id="272" r:id="rId10"/>
+    <p:sldId id="264" r:id="rId11"/>
+    <p:sldId id="258" r:id="rId12"/>
+    <p:sldId id="274" r:id="rId13"/>
+    <p:sldId id="275" r:id="rId14"/>
+    <p:sldId id="276" r:id="rId15"/>
+    <p:sldId id="273" r:id="rId16"/>
+    <p:sldId id="259" r:id="rId17"/>
+    <p:sldId id="277" r:id="rId18"/>
+    <p:sldId id="265" r:id="rId19"/>
+    <p:sldId id="266" r:id="rId20"/>
+    <p:sldId id="267" r:id="rId21"/>
+    <p:sldId id="268" r:id="rId22"/>
+    <p:sldId id="269" r:id="rId23"/>
+    <p:sldId id="278" r:id="rId24"/>
+    <p:sldId id="279" r:id="rId25"/>
+    <p:sldId id="280" r:id="rId26"/>
+    <p:sldId id="281" r:id="rId27"/>
+    <p:sldId id="283" r:id="rId28"/>
+    <p:sldId id="282" r:id="rId29"/>
+    <p:sldId id="284" r:id="rId30"/>
+    <p:sldId id="285" r:id="rId31"/>
   </p:sldIdLst>
   <p:sldSz cx="12192000" cy="6858000"/>
   <p:notesSz cx="6858000" cy="9144000"/>
@@ -117,6 +133,11 @@
       </a:defRPr>
     </a:lvl9pPr>
   </p:defaultTextStyle>
+  <p:extLst>
+    <p:ext uri="{EFAFB233-063F-42B5-8137-9DF3F51BA10A}">
+      <p15:sldGuideLst xmlns:p15="http://schemas.microsoft.com/office/powerpoint/2012/main"/>
+    </p:ext>
+  </p:extLst>
 </p:presentation>
 </file>
 
@@ -3381,16 +3402,30 @@
             <p:ph type="ctrTitle"/>
           </p:nvPr>
         </p:nvSpPr>
-        <p:spPr/>
-        <p:txBody>
-          <a:bodyPr/>
+        <p:spPr>
+          <a:xfrm>
+            <a:off x="1524000" y="2102078"/>
+            <a:ext cx="9144000" cy="2387600"/>
+          </a:xfrm>
+        </p:spPr>
+        <p:txBody>
+          <a:bodyPr>
+            <a:normAutofit fontScale="90000"/>
+          </a:bodyPr>
           <a:lstStyle/>
           <a:p>
             <a:r>
               <a:rPr lang="en-US" b="1" dirty="0"/>
               <a:t>Project 4</a:t>
             </a:r>
-            <a:endParaRPr lang="en-GB" b="1" dirty="0"/>
+            <a:br>
+              <a:rPr lang="en-US" b="1" dirty="0"/>
+            </a:br>
+            <a:r>
+              <a:rPr lang="en-US" sz="5300" b="1" dirty="0"/>
+              <a:t>CREATE AN ALGORITHM TO ANALYZE HORSE RACING DATA AND PREDICT FUTURE OUTCOMES</a:t>
+            </a:r>
+            <a:endParaRPr lang="en-GB" sz="5300" b="1" dirty="0"/>
           </a:p>
         </p:txBody>
       </p:sp>
@@ -3410,7 +3445,12 @@
             <p:ph type="subTitle" idx="1"/>
           </p:nvPr>
         </p:nvSpPr>
-        <p:spPr/>
+        <p:spPr>
+          <a:xfrm>
+            <a:off x="1524000" y="4630738"/>
+            <a:ext cx="9144000" cy="1655762"/>
+          </a:xfrm>
+        </p:spPr>
         <p:txBody>
           <a:bodyPr/>
           <a:lstStyle/>
@@ -3584,7 +3624,7 @@
           <p:cNvPr id="2" name="Title 1">
             <a:extLst>
               <a:ext uri="{FF2B5EF4-FFF2-40B4-BE49-F238E27FC236}">
-                <a16:creationId xmlns:a16="http://schemas.microsoft.com/office/drawing/2014/main" id="{C5CD3D53-6EF0-485E-82B6-2CC4D9E28D4D}"/>
+                <a16:creationId xmlns:a16="http://schemas.microsoft.com/office/drawing/2014/main" id="{0ECC67B9-FE24-43DA-9CBC-003CAD03BA84}"/>
               </a:ext>
             </a:extLst>
           </p:cNvPr>
@@ -3595,19 +3635,14 @@
             <p:ph type="title"/>
           </p:nvPr>
         </p:nvSpPr>
-        <p:spPr>
-          <a:xfrm>
-            <a:off x="576943" y="0"/>
-            <a:ext cx="10515600" cy="1325563"/>
-          </a:xfrm>
-        </p:spPr>
+        <p:spPr/>
         <p:txBody>
           <a:bodyPr/>
           <a:lstStyle/>
           <a:p>
             <a:r>
               <a:rPr lang="en-US" dirty="0"/>
-              <a:t>PREDICTION AND X,Y LABELS</a:t>
+              <a:t>CONVERSION TO NUMERICAL DATA</a:t>
             </a:r>
             <a:endParaRPr lang="en-GB" dirty="0"/>
           </a:p>
@@ -3615,10 +3650,10 @@
       </p:sp>
       <p:pic>
         <p:nvPicPr>
-          <p:cNvPr id="5" name="Content Placeholder 4">
-            <a:extLst>
-              <a:ext uri="{FF2B5EF4-FFF2-40B4-BE49-F238E27FC236}">
-                <a16:creationId xmlns:a16="http://schemas.microsoft.com/office/drawing/2014/main" id="{3FDB0277-B082-45AF-B4F4-88E6F05E0E9E}"/>
+          <p:cNvPr id="7" name="Content Placeholder 6">
+            <a:extLst>
+              <a:ext uri="{FF2B5EF4-FFF2-40B4-BE49-F238E27FC236}">
+                <a16:creationId xmlns:a16="http://schemas.microsoft.com/office/drawing/2014/main" id="{87CB4C7A-FDD1-4478-8D73-F18C906A6497}"/>
               </a:ext>
             </a:extLst>
           </p:cNvPr>
@@ -3643,171 +3678,15 @@
         </p:blipFill>
         <p:spPr>
           <a:xfrm>
-            <a:off x="156700" y="949445"/>
-            <a:ext cx="7403429" cy="1889338"/>
+            <a:off x="458176" y="1253330"/>
+            <a:ext cx="11493192" cy="5420185"/>
           </a:xfrm>
         </p:spPr>
       </p:pic>
-      <p:pic>
-        <p:nvPicPr>
-          <p:cNvPr id="7" name="Picture 6">
-            <a:extLst>
-              <a:ext uri="{FF2B5EF4-FFF2-40B4-BE49-F238E27FC236}">
-                <a16:creationId xmlns:a16="http://schemas.microsoft.com/office/drawing/2014/main" id="{73DDBC80-D75F-45A9-8625-D0CBCEF40760}"/>
-              </a:ext>
-            </a:extLst>
-          </p:cNvPr>
-          <p:cNvPicPr>
-            <a:picLocks noChangeAspect="1"/>
-          </p:cNvPicPr>
-          <p:nvPr/>
-        </p:nvPicPr>
-        <p:blipFill>
-          <a:blip r:embed="rId3">
-            <a:extLst>
-              <a:ext uri="{28A0092B-C50C-407E-A947-70E740481C1C}">
-                <a14:useLocalDpi xmlns:a14="http://schemas.microsoft.com/office/drawing/2010/main" val="0"/>
-              </a:ext>
-            </a:extLst>
-          </a:blip>
-          <a:stretch>
-            <a:fillRect/>
-          </a:stretch>
-        </p:blipFill>
-        <p:spPr>
-          <a:xfrm>
-            <a:off x="4718956" y="949445"/>
-            <a:ext cx="7153058" cy="5141581"/>
-          </a:xfrm>
-          <a:prstGeom prst="rect">
-            <a:avLst/>
-          </a:prstGeom>
-        </p:spPr>
-      </p:pic>
-      <p:pic>
-        <p:nvPicPr>
-          <p:cNvPr id="9" name="Picture 8">
-            <a:extLst>
-              <a:ext uri="{FF2B5EF4-FFF2-40B4-BE49-F238E27FC236}">
-                <a16:creationId xmlns:a16="http://schemas.microsoft.com/office/drawing/2014/main" id="{1EA8BAB8-4202-4CB2-86E6-03FA234C8576}"/>
-              </a:ext>
-            </a:extLst>
-          </p:cNvPr>
-          <p:cNvPicPr>
-            <a:picLocks noChangeAspect="1"/>
-          </p:cNvPicPr>
-          <p:nvPr/>
-        </p:nvPicPr>
-        <p:blipFill>
-          <a:blip r:embed="rId4">
-            <a:extLst>
-              <a:ext uri="{28A0092B-C50C-407E-A947-70E740481C1C}">
-                <a14:useLocalDpi xmlns:a14="http://schemas.microsoft.com/office/drawing/2010/main" val="0"/>
-              </a:ext>
-            </a:extLst>
-          </a:blip>
-          <a:stretch>
-            <a:fillRect/>
-          </a:stretch>
-        </p:blipFill>
-        <p:spPr>
-          <a:xfrm>
-            <a:off x="156700" y="5908555"/>
-            <a:ext cx="6677957" cy="809738"/>
-          </a:xfrm>
-          <a:prstGeom prst="rect">
-            <a:avLst/>
-          </a:prstGeom>
-        </p:spPr>
-      </p:pic>
-      <p:cxnSp>
-        <p:nvCxnSpPr>
-          <p:cNvPr id="13" name="Connector: Curved 12">
-            <a:extLst>
-              <a:ext uri="{FF2B5EF4-FFF2-40B4-BE49-F238E27FC236}">
-                <a16:creationId xmlns:a16="http://schemas.microsoft.com/office/drawing/2014/main" id="{66E3CB52-4F4C-4432-976A-34018AB5E277}"/>
-              </a:ext>
-            </a:extLst>
-          </p:cNvPr>
-          <p:cNvCxnSpPr/>
-          <p:nvPr/>
-        </p:nvCxnSpPr>
-        <p:spPr>
-          <a:xfrm>
-            <a:off x="2041071" y="2838783"/>
-            <a:ext cx="2677885" cy="867803"/>
-          </a:xfrm>
-          <a:prstGeom prst="curvedConnector3">
-            <a:avLst>
-              <a:gd name="adj1" fmla="val 26829"/>
-            </a:avLst>
-          </a:prstGeom>
-          <a:ln>
-            <a:tailEnd type="triangle"/>
-          </a:ln>
-        </p:spPr>
-        <p:style>
-          <a:lnRef idx="1">
-            <a:schemeClr val="accent1"/>
-          </a:lnRef>
-          <a:fillRef idx="0">
-            <a:schemeClr val="accent1"/>
-          </a:fillRef>
-          <a:effectRef idx="0">
-            <a:schemeClr val="accent1"/>
-          </a:effectRef>
-          <a:fontRef idx="minor">
-            <a:schemeClr val="tx1"/>
-          </a:fontRef>
-        </p:style>
-      </p:cxnSp>
-      <p:cxnSp>
-        <p:nvCxnSpPr>
-          <p:cNvPr id="16" name="Connector: Curved 15">
-            <a:extLst>
-              <a:ext uri="{FF2B5EF4-FFF2-40B4-BE49-F238E27FC236}">
-                <a16:creationId xmlns:a16="http://schemas.microsoft.com/office/drawing/2014/main" id="{5D1EEFA9-F408-44EE-8B98-9817A67B5896}"/>
-              </a:ext>
-            </a:extLst>
-          </p:cNvPr>
-          <p:cNvCxnSpPr>
-            <a:cxnSpLocks/>
-          </p:cNvCxnSpPr>
-          <p:nvPr/>
-        </p:nvCxnSpPr>
-        <p:spPr>
-          <a:xfrm rot="10800000" flipV="1">
-            <a:off x="1224644" y="5404756"/>
-            <a:ext cx="4871357" cy="359230"/>
-          </a:xfrm>
-          <a:prstGeom prst="curvedConnector3">
-            <a:avLst>
-              <a:gd name="adj1" fmla="val 100950"/>
-            </a:avLst>
-          </a:prstGeom>
-          <a:ln>
-            <a:tailEnd type="triangle"/>
-          </a:ln>
-        </p:spPr>
-        <p:style>
-          <a:lnRef idx="1">
-            <a:schemeClr val="accent1"/>
-          </a:lnRef>
-          <a:fillRef idx="0">
-            <a:schemeClr val="accent1"/>
-          </a:fillRef>
-          <a:effectRef idx="0">
-            <a:schemeClr val="accent1"/>
-          </a:effectRef>
-          <a:fontRef idx="minor">
-            <a:schemeClr val="tx1"/>
-          </a:fontRef>
-        </p:style>
-      </p:cxnSp>
     </p:spTree>
     <p:extLst>
       <p:ext uri="{BB962C8B-B14F-4D97-AF65-F5344CB8AC3E}">
-        <p14:creationId xmlns:p14="http://schemas.microsoft.com/office/powerpoint/2010/main" val="4095725720"/>
+        <p14:creationId xmlns:p14="http://schemas.microsoft.com/office/powerpoint/2010/main" val="1292605782"/>
       </p:ext>
     </p:extLst>
   </p:cSld>
@@ -3839,7 +3718,7 @@
           <p:cNvPr id="2" name="Title 1">
             <a:extLst>
               <a:ext uri="{FF2B5EF4-FFF2-40B4-BE49-F238E27FC236}">
-                <a16:creationId xmlns:a16="http://schemas.microsoft.com/office/drawing/2014/main" id="{F8D4233E-B482-45A0-AD84-F7D3C9194B47}"/>
+                <a16:creationId xmlns:a16="http://schemas.microsoft.com/office/drawing/2014/main" id="{CD5FEFAF-5C12-432E-A7A1-418CA9718014}"/>
               </a:ext>
             </a:extLst>
           </p:cNvPr>
@@ -3855,39 +3734,53 @@
           <a:bodyPr/>
           <a:lstStyle/>
           <a:p>
-            <a:endParaRPr lang="en-GB"/>
-          </a:p>
-        </p:txBody>
-      </p:sp>
-      <p:sp>
-        <p:nvSpPr>
-          <p:cNvPr id="3" name="Content Placeholder 2">
-            <a:extLst>
-              <a:ext uri="{FF2B5EF4-FFF2-40B4-BE49-F238E27FC236}">
-                <a16:creationId xmlns:a16="http://schemas.microsoft.com/office/drawing/2014/main" id="{E97EA0E7-D692-4E73-9AC8-15B548FA5B84}"/>
-              </a:ext>
-            </a:extLst>
-          </p:cNvPr>
-          <p:cNvSpPr>
-            <a:spLocks noGrp="1"/>
-          </p:cNvSpPr>
+            <a:r>
+              <a:rPr lang="en-US" dirty="0"/>
+              <a:t>EXPORT TO CSV FILE</a:t>
+            </a:r>
+            <a:endParaRPr lang="en-GB" dirty="0"/>
+          </a:p>
+        </p:txBody>
+      </p:sp>
+      <p:pic>
+        <p:nvPicPr>
+          <p:cNvPr id="7" name="Content Placeholder 6">
+            <a:extLst>
+              <a:ext uri="{FF2B5EF4-FFF2-40B4-BE49-F238E27FC236}">
+                <a16:creationId xmlns:a16="http://schemas.microsoft.com/office/drawing/2014/main" id="{B9DAD77D-10D2-42A8-A7CF-34159DD0AB11}"/>
+              </a:ext>
+            </a:extLst>
+          </p:cNvPr>
+          <p:cNvPicPr>
+            <a:picLocks noGrp="1" noChangeAspect="1"/>
+          </p:cNvPicPr>
           <p:nvPr>
             <p:ph idx="1"/>
           </p:nvPr>
-        </p:nvSpPr>
-        <p:spPr/>
-        <p:txBody>
-          <a:bodyPr/>
-          <a:lstStyle/>
-          <a:p>
-            <a:endParaRPr lang="en-GB"/>
-          </a:p>
-        </p:txBody>
-      </p:sp>
+        </p:nvPicPr>
+        <p:blipFill>
+          <a:blip r:embed="rId2">
+            <a:extLst>
+              <a:ext uri="{28A0092B-C50C-407E-A947-70E740481C1C}">
+                <a14:useLocalDpi xmlns:a14="http://schemas.microsoft.com/office/drawing/2010/main" val="0"/>
+              </a:ext>
+            </a:extLst>
+          </a:blip>
+          <a:stretch>
+            <a:fillRect/>
+          </a:stretch>
+        </p:blipFill>
+        <p:spPr>
+          <a:xfrm>
+            <a:off x="368968" y="2823411"/>
+            <a:ext cx="11130251" cy="1909009"/>
+          </a:xfrm>
+        </p:spPr>
+      </p:pic>
     </p:spTree>
     <p:extLst>
       <p:ext uri="{BB962C8B-B14F-4D97-AF65-F5344CB8AC3E}">
-        <p14:creationId xmlns:p14="http://schemas.microsoft.com/office/powerpoint/2010/main" val="811974854"/>
+        <p14:creationId xmlns:p14="http://schemas.microsoft.com/office/powerpoint/2010/main" val="3303268891"/>
       </p:ext>
     </p:extLst>
   </p:cSld>
@@ -3919,7 +3812,7 @@
           <p:cNvPr id="2" name="Title 1">
             <a:extLst>
               <a:ext uri="{FF2B5EF4-FFF2-40B4-BE49-F238E27FC236}">
-                <a16:creationId xmlns:a16="http://schemas.microsoft.com/office/drawing/2014/main" id="{FF6F85AE-F6F8-4763-921C-FC85366C396A}"/>
+                <a16:creationId xmlns:a16="http://schemas.microsoft.com/office/drawing/2014/main" id="{E02D31C5-1694-4A10-AE9D-DB564BA121E8}"/>
               </a:ext>
             </a:extLst>
           </p:cNvPr>
@@ -3930,44 +3823,29 @@
             <p:ph type="title"/>
           </p:nvPr>
         </p:nvSpPr>
-        <p:spPr/>
-        <p:txBody>
-          <a:bodyPr/>
-          <a:lstStyle/>
-          <a:p>
-            <a:endParaRPr lang="en-GB"/>
-          </a:p>
-        </p:txBody>
-      </p:sp>
-      <p:sp>
-        <p:nvSpPr>
-          <p:cNvPr id="3" name="Content Placeholder 2">
-            <a:extLst>
-              <a:ext uri="{FF2B5EF4-FFF2-40B4-BE49-F238E27FC236}">
-                <a16:creationId xmlns:a16="http://schemas.microsoft.com/office/drawing/2014/main" id="{EC21A84B-F656-4492-90E0-7D09FA77FC4A}"/>
-              </a:ext>
-            </a:extLst>
-          </p:cNvPr>
-          <p:cNvSpPr>
-            <a:spLocks noGrp="1"/>
-          </p:cNvSpPr>
-          <p:nvPr>
-            <p:ph idx="1"/>
-          </p:nvPr>
-        </p:nvSpPr>
-        <p:spPr/>
-        <p:txBody>
-          <a:bodyPr/>
-          <a:lstStyle/>
-          <a:p>
-            <a:endParaRPr lang="en-GB"/>
+        <p:spPr>
+          <a:xfrm>
+            <a:off x="838200" y="2766218"/>
+            <a:ext cx="10515600" cy="1325563"/>
+          </a:xfrm>
+        </p:spPr>
+        <p:txBody>
+          <a:bodyPr/>
+          <a:lstStyle/>
+          <a:p>
+            <a:pPr algn="ctr"/>
+            <a:r>
+              <a:rPr lang="en-US" dirty="0"/>
+              <a:t>SQL DATABASE</a:t>
+            </a:r>
+            <a:endParaRPr lang="en-GB" dirty="0"/>
           </a:p>
         </p:txBody>
       </p:sp>
     </p:spTree>
     <p:extLst>
       <p:ext uri="{BB962C8B-B14F-4D97-AF65-F5344CB8AC3E}">
-        <p14:creationId xmlns:p14="http://schemas.microsoft.com/office/powerpoint/2010/main" val="1538243571"/>
+        <p14:creationId xmlns:p14="http://schemas.microsoft.com/office/powerpoint/2010/main" val="2534675970"/>
       </p:ext>
     </p:extLst>
   </p:cSld>
@@ -3999,7 +3877,7 @@
           <p:cNvPr id="2" name="Title 1">
             <a:extLst>
               <a:ext uri="{FF2B5EF4-FFF2-40B4-BE49-F238E27FC236}">
-                <a16:creationId xmlns:a16="http://schemas.microsoft.com/office/drawing/2014/main" id="{A0882EC9-BC5A-443F-B795-48F79DB13DCB}"/>
+                <a16:creationId xmlns:a16="http://schemas.microsoft.com/office/drawing/2014/main" id="{BE4784BE-2A4C-4B88-95A8-A5D2A5382C45}"/>
               </a:ext>
             </a:extLst>
           </p:cNvPr>
@@ -4010,44 +3888,63 @@
             <p:ph type="title"/>
           </p:nvPr>
         </p:nvSpPr>
-        <p:spPr/>
-        <p:txBody>
-          <a:bodyPr/>
-          <a:lstStyle/>
-          <a:p>
-            <a:endParaRPr lang="en-GB"/>
-          </a:p>
-        </p:txBody>
-      </p:sp>
-      <p:sp>
-        <p:nvSpPr>
-          <p:cNvPr id="3" name="Content Placeholder 2">
-            <a:extLst>
-              <a:ext uri="{FF2B5EF4-FFF2-40B4-BE49-F238E27FC236}">
-                <a16:creationId xmlns:a16="http://schemas.microsoft.com/office/drawing/2014/main" id="{D8971C3A-ED7C-4380-A96D-608140879E53}"/>
-              </a:ext>
-            </a:extLst>
-          </p:cNvPr>
-          <p:cNvSpPr>
-            <a:spLocks noGrp="1"/>
-          </p:cNvSpPr>
+        <p:spPr>
+          <a:xfrm>
+            <a:off x="320842" y="365125"/>
+            <a:ext cx="11032958" cy="1325563"/>
+          </a:xfrm>
+        </p:spPr>
+        <p:txBody>
+          <a:bodyPr/>
+          <a:lstStyle/>
+          <a:p>
+            <a:r>
+              <a:rPr lang="en-US" dirty="0"/>
+              <a:t>Importing clean CSV file and creating a table in the database</a:t>
+            </a:r>
+            <a:endParaRPr lang="en-GB" dirty="0"/>
+          </a:p>
+        </p:txBody>
+      </p:sp>
+      <p:pic>
+        <p:nvPicPr>
+          <p:cNvPr id="5" name="Content Placeholder 4">
+            <a:extLst>
+              <a:ext uri="{FF2B5EF4-FFF2-40B4-BE49-F238E27FC236}">
+                <a16:creationId xmlns:a16="http://schemas.microsoft.com/office/drawing/2014/main" id="{FA1D68BE-D77E-4049-A9DE-8A1875F0E053}"/>
+              </a:ext>
+            </a:extLst>
+          </p:cNvPr>
+          <p:cNvPicPr>
+            <a:picLocks noGrp="1" noChangeAspect="1"/>
+          </p:cNvPicPr>
           <p:nvPr>
             <p:ph idx="1"/>
           </p:nvPr>
-        </p:nvSpPr>
-        <p:spPr/>
-        <p:txBody>
-          <a:bodyPr/>
-          <a:lstStyle/>
-          <a:p>
-            <a:endParaRPr lang="en-GB"/>
-          </a:p>
-        </p:txBody>
-      </p:sp>
+        </p:nvPicPr>
+        <p:blipFill>
+          <a:blip r:embed="rId2">
+            <a:extLst>
+              <a:ext uri="{28A0092B-C50C-407E-A947-70E740481C1C}">
+                <a14:useLocalDpi xmlns:a14="http://schemas.microsoft.com/office/drawing/2010/main" val="0"/>
+              </a:ext>
+            </a:extLst>
+          </a:blip>
+          <a:stretch>
+            <a:fillRect/>
+          </a:stretch>
+        </p:blipFill>
+        <p:spPr>
+          <a:xfrm>
+            <a:off x="320842" y="1825625"/>
+            <a:ext cx="11341769" cy="4667250"/>
+          </a:xfrm>
+        </p:spPr>
+      </p:pic>
     </p:spTree>
     <p:extLst>
       <p:ext uri="{BB962C8B-B14F-4D97-AF65-F5344CB8AC3E}">
-        <p14:creationId xmlns:p14="http://schemas.microsoft.com/office/powerpoint/2010/main" val="2096838241"/>
+        <p14:creationId xmlns:p14="http://schemas.microsoft.com/office/powerpoint/2010/main" val="2702753378"/>
       </p:ext>
     </p:extLst>
   </p:cSld>
@@ -4079,7 +3976,7 @@
           <p:cNvPr id="2" name="Title 1">
             <a:extLst>
               <a:ext uri="{FF2B5EF4-FFF2-40B4-BE49-F238E27FC236}">
-                <a16:creationId xmlns:a16="http://schemas.microsoft.com/office/drawing/2014/main" id="{5123CAA6-8210-4E9B-866D-BF94ACC732DE}"/>
+                <a16:creationId xmlns:a16="http://schemas.microsoft.com/office/drawing/2014/main" id="{C3532B23-5500-47A6-BF02-6647C52D5753}"/>
               </a:ext>
             </a:extLst>
           </p:cNvPr>
@@ -4090,44 +3987,523 @@
             <p:ph type="title"/>
           </p:nvPr>
         </p:nvSpPr>
-        <p:spPr/>
-        <p:txBody>
-          <a:bodyPr/>
-          <a:lstStyle/>
-          <a:p>
-            <a:endParaRPr lang="en-GB"/>
-          </a:p>
-        </p:txBody>
-      </p:sp>
-      <p:sp>
-        <p:nvSpPr>
-          <p:cNvPr id="3" name="Content Placeholder 2">
-            <a:extLst>
-              <a:ext uri="{FF2B5EF4-FFF2-40B4-BE49-F238E27FC236}">
-                <a16:creationId xmlns:a16="http://schemas.microsoft.com/office/drawing/2014/main" id="{0371E5A8-618E-4039-AA81-4A0A9D3008CA}"/>
-              </a:ext>
-            </a:extLst>
-          </p:cNvPr>
-          <p:cNvSpPr>
-            <a:spLocks noGrp="1"/>
-          </p:cNvSpPr>
+        <p:spPr>
+          <a:xfrm>
+            <a:off x="545432" y="365125"/>
+            <a:ext cx="10808368" cy="1325563"/>
+          </a:xfrm>
+        </p:spPr>
+        <p:txBody>
+          <a:bodyPr/>
+          <a:lstStyle/>
+          <a:p>
+            <a:r>
+              <a:rPr lang="en-US" dirty="0"/>
+              <a:t>Creation of connections to the SQL Database</a:t>
+            </a:r>
+            <a:endParaRPr lang="en-GB" dirty="0"/>
+          </a:p>
+        </p:txBody>
+      </p:sp>
+      <p:pic>
+        <p:nvPicPr>
+          <p:cNvPr id="5" name="Content Placeholder 4">
+            <a:extLst>
+              <a:ext uri="{FF2B5EF4-FFF2-40B4-BE49-F238E27FC236}">
+                <a16:creationId xmlns:a16="http://schemas.microsoft.com/office/drawing/2014/main" id="{F462DA6F-175F-4553-A8EA-90C48467FD20}"/>
+              </a:ext>
+            </a:extLst>
+          </p:cNvPr>
+          <p:cNvPicPr>
+            <a:picLocks noGrp="1" noChangeAspect="1"/>
+          </p:cNvPicPr>
           <p:nvPr>
             <p:ph idx="1"/>
           </p:nvPr>
-        </p:nvSpPr>
-        <p:spPr/>
-        <p:txBody>
-          <a:bodyPr/>
-          <a:lstStyle/>
-          <a:p>
-            <a:endParaRPr lang="en-GB"/>
-          </a:p>
-        </p:txBody>
-      </p:sp>
+        </p:nvPicPr>
+        <p:blipFill>
+          <a:blip r:embed="rId2">
+            <a:extLst>
+              <a:ext uri="{28A0092B-C50C-407E-A947-70E740481C1C}">
+                <a14:useLocalDpi xmlns:a14="http://schemas.microsoft.com/office/drawing/2010/main" val="0"/>
+              </a:ext>
+            </a:extLst>
+          </a:blip>
+          <a:stretch>
+            <a:fillRect/>
+          </a:stretch>
+        </p:blipFill>
+        <p:spPr>
+          <a:xfrm>
+            <a:off x="545432" y="1825624"/>
+            <a:ext cx="11197389" cy="4815807"/>
+          </a:xfrm>
+        </p:spPr>
+      </p:pic>
     </p:spTree>
     <p:extLst>
       <p:ext uri="{BB962C8B-B14F-4D97-AF65-F5344CB8AC3E}">
-        <p14:creationId xmlns:p14="http://schemas.microsoft.com/office/powerpoint/2010/main" val="1817384355"/>
+        <p14:creationId xmlns:p14="http://schemas.microsoft.com/office/powerpoint/2010/main" val="477231854"/>
+      </p:ext>
+    </p:extLst>
+  </p:cSld>
+  <p:clrMapOvr>
+    <a:masterClrMapping/>
+  </p:clrMapOvr>
+</p:sld>
+</file>
+
+<file path=ppt/slides/slide15.xml><?xml version="1.0" encoding="utf-8"?>
+<p:sld xmlns:a="http://schemas.openxmlformats.org/drawingml/2006/main" xmlns:r="http://schemas.openxmlformats.org/officeDocument/2006/relationships" xmlns:p="http://schemas.openxmlformats.org/presentationml/2006/main">
+  <p:cSld>
+    <p:spTree>
+      <p:nvGrpSpPr>
+        <p:cNvPr id="1" name=""/>
+        <p:cNvGrpSpPr/>
+        <p:nvPr/>
+      </p:nvGrpSpPr>
+      <p:grpSpPr>
+        <a:xfrm>
+          <a:off x="0" y="0"/>
+          <a:ext cx="0" cy="0"/>
+          <a:chOff x="0" y="0"/>
+          <a:chExt cx="0" cy="0"/>
+        </a:xfrm>
+      </p:grpSpPr>
+      <p:sp>
+        <p:nvSpPr>
+          <p:cNvPr id="2" name="Title 1">
+            <a:extLst>
+              <a:ext uri="{FF2B5EF4-FFF2-40B4-BE49-F238E27FC236}">
+                <a16:creationId xmlns:a16="http://schemas.microsoft.com/office/drawing/2014/main" id="{E02D31C5-1694-4A10-AE9D-DB564BA121E8}"/>
+              </a:ext>
+            </a:extLst>
+          </p:cNvPr>
+          <p:cNvSpPr>
+            <a:spLocks noGrp="1"/>
+          </p:cNvSpPr>
+          <p:nvPr>
+            <p:ph type="title"/>
+          </p:nvPr>
+        </p:nvSpPr>
+        <p:spPr>
+          <a:xfrm>
+            <a:off x="838200" y="2766218"/>
+            <a:ext cx="10515600" cy="1325563"/>
+          </a:xfrm>
+        </p:spPr>
+        <p:txBody>
+          <a:bodyPr/>
+          <a:lstStyle/>
+          <a:p>
+            <a:pPr algn="ctr"/>
+            <a:r>
+              <a:rPr lang="en-US" dirty="0"/>
+              <a:t>MACHINE LEARNING</a:t>
+            </a:r>
+            <a:endParaRPr lang="en-GB" dirty="0"/>
+          </a:p>
+        </p:txBody>
+      </p:sp>
+    </p:spTree>
+    <p:extLst>
+      <p:ext uri="{BB962C8B-B14F-4D97-AF65-F5344CB8AC3E}">
+        <p14:creationId xmlns:p14="http://schemas.microsoft.com/office/powerpoint/2010/main" val="3858235495"/>
+      </p:ext>
+    </p:extLst>
+  </p:cSld>
+  <p:clrMapOvr>
+    <a:masterClrMapping/>
+  </p:clrMapOvr>
+</p:sld>
+</file>
+
+<file path=ppt/slides/slide16.xml><?xml version="1.0" encoding="utf-8"?>
+<p:sld xmlns:a="http://schemas.openxmlformats.org/drawingml/2006/main" xmlns:r="http://schemas.openxmlformats.org/officeDocument/2006/relationships" xmlns:p="http://schemas.openxmlformats.org/presentationml/2006/main">
+  <p:cSld>
+    <p:spTree>
+      <p:nvGrpSpPr>
+        <p:cNvPr id="1" name=""/>
+        <p:cNvGrpSpPr/>
+        <p:nvPr/>
+      </p:nvGrpSpPr>
+      <p:grpSpPr>
+        <a:xfrm>
+          <a:off x="0" y="0"/>
+          <a:ext cx="0" cy="0"/>
+          <a:chOff x="0" y="0"/>
+          <a:chExt cx="0" cy="0"/>
+        </a:xfrm>
+      </p:grpSpPr>
+      <p:sp>
+        <p:nvSpPr>
+          <p:cNvPr id="3" name="Content Placeholder 2">
+            <a:extLst>
+              <a:ext uri="{FF2B5EF4-FFF2-40B4-BE49-F238E27FC236}">
+                <a16:creationId xmlns:a16="http://schemas.microsoft.com/office/drawing/2014/main" id="{FFFCD89D-4A7D-4FE8-B167-0E374F982FFF}"/>
+              </a:ext>
+            </a:extLst>
+          </p:cNvPr>
+          <p:cNvSpPr>
+            <a:spLocks noGrp="1"/>
+          </p:cNvSpPr>
+          <p:nvPr>
+            <p:ph idx="1"/>
+          </p:nvPr>
+        </p:nvSpPr>
+        <p:spPr>
+          <a:xfrm>
+            <a:off x="244928" y="323657"/>
+            <a:ext cx="6126938" cy="833927"/>
+          </a:xfrm>
+        </p:spPr>
+        <p:txBody>
+          <a:bodyPr/>
+          <a:lstStyle/>
+          <a:p>
+            <a:pPr marL="0" indent="0">
+              <a:buNone/>
+            </a:pPr>
+            <a:r>
+              <a:rPr lang="en-US" dirty="0"/>
+              <a:t>DEPENDENCIES IMPORTED</a:t>
+            </a:r>
+            <a:endParaRPr lang="en-GB" dirty="0"/>
+          </a:p>
+        </p:txBody>
+      </p:sp>
+      <p:pic>
+        <p:nvPicPr>
+          <p:cNvPr id="6" name="Picture 5">
+            <a:extLst>
+              <a:ext uri="{FF2B5EF4-FFF2-40B4-BE49-F238E27FC236}">
+                <a16:creationId xmlns:a16="http://schemas.microsoft.com/office/drawing/2014/main" id="{0926C411-D0AB-4017-B2EF-3F77923DE884}"/>
+              </a:ext>
+            </a:extLst>
+          </p:cNvPr>
+          <p:cNvPicPr>
+            <a:picLocks noChangeAspect="1"/>
+          </p:cNvPicPr>
+          <p:nvPr/>
+        </p:nvPicPr>
+        <p:blipFill>
+          <a:blip r:embed="rId2">
+            <a:extLst>
+              <a:ext uri="{28A0092B-C50C-407E-A947-70E740481C1C}">
+                <a14:useLocalDpi xmlns:a14="http://schemas.microsoft.com/office/drawing/2010/main" val="0"/>
+              </a:ext>
+            </a:extLst>
+          </a:blip>
+          <a:stretch>
+            <a:fillRect/>
+          </a:stretch>
+        </p:blipFill>
+        <p:spPr>
+          <a:xfrm>
+            <a:off x="244928" y="916952"/>
+            <a:ext cx="11702144" cy="5617391"/>
+          </a:xfrm>
+          <a:prstGeom prst="rect">
+            <a:avLst/>
+          </a:prstGeom>
+        </p:spPr>
+      </p:pic>
+    </p:spTree>
+    <p:extLst>
+      <p:ext uri="{BB962C8B-B14F-4D97-AF65-F5344CB8AC3E}">
+        <p14:creationId xmlns:p14="http://schemas.microsoft.com/office/powerpoint/2010/main" val="1235689655"/>
+      </p:ext>
+    </p:extLst>
+  </p:cSld>
+  <p:clrMapOvr>
+    <a:masterClrMapping/>
+  </p:clrMapOvr>
+</p:sld>
+</file>
+
+<file path=ppt/slides/slide17.xml><?xml version="1.0" encoding="utf-8"?>
+<p:sld xmlns:a="http://schemas.openxmlformats.org/drawingml/2006/main" xmlns:r="http://schemas.openxmlformats.org/officeDocument/2006/relationships" xmlns:p="http://schemas.openxmlformats.org/presentationml/2006/main">
+  <p:cSld>
+    <p:spTree>
+      <p:nvGrpSpPr>
+        <p:cNvPr id="1" name=""/>
+        <p:cNvGrpSpPr/>
+        <p:nvPr/>
+      </p:nvGrpSpPr>
+      <p:grpSpPr>
+        <a:xfrm>
+          <a:off x="0" y="0"/>
+          <a:ext cx="0" cy="0"/>
+          <a:chOff x="0" y="0"/>
+          <a:chExt cx="0" cy="0"/>
+        </a:xfrm>
+      </p:grpSpPr>
+      <p:sp>
+        <p:nvSpPr>
+          <p:cNvPr id="2" name="Title 1">
+            <a:extLst>
+              <a:ext uri="{FF2B5EF4-FFF2-40B4-BE49-F238E27FC236}">
+                <a16:creationId xmlns:a16="http://schemas.microsoft.com/office/drawing/2014/main" id="{69305510-5AF8-4694-8035-5666E9267259}"/>
+              </a:ext>
+            </a:extLst>
+          </p:cNvPr>
+          <p:cNvSpPr>
+            <a:spLocks noGrp="1"/>
+          </p:cNvSpPr>
+          <p:nvPr>
+            <p:ph type="title"/>
+          </p:nvPr>
+        </p:nvSpPr>
+        <p:spPr>
+          <a:xfrm>
+            <a:off x="416651" y="-74832"/>
+            <a:ext cx="10515600" cy="1325563"/>
+          </a:xfrm>
+        </p:spPr>
+        <p:txBody>
+          <a:bodyPr/>
+          <a:lstStyle/>
+          <a:p>
+            <a:r>
+              <a:rPr lang="en-GB" sz="4400" dirty="0"/>
+              <a:t>Data Balancing for Machine Learning</a:t>
+            </a:r>
+            <a:endParaRPr lang="en-GB" dirty="0"/>
+          </a:p>
+        </p:txBody>
+      </p:sp>
+      <p:pic>
+        <p:nvPicPr>
+          <p:cNvPr id="4" name="Content Placeholder 3">
+            <a:extLst>
+              <a:ext uri="{FF2B5EF4-FFF2-40B4-BE49-F238E27FC236}">
+                <a16:creationId xmlns:a16="http://schemas.microsoft.com/office/drawing/2014/main" id="{861014EC-9153-476C-81E7-6C1DC50EF5A7}"/>
+              </a:ext>
+            </a:extLst>
+          </p:cNvPr>
+          <p:cNvPicPr>
+            <a:picLocks noGrp="1" noChangeAspect="1"/>
+          </p:cNvPicPr>
+          <p:nvPr>
+            <p:ph idx="1"/>
+          </p:nvPr>
+        </p:nvPicPr>
+        <p:blipFill>
+          <a:blip r:embed="rId2"/>
+          <a:stretch>
+            <a:fillRect/>
+          </a:stretch>
+        </p:blipFill>
+        <p:spPr>
+          <a:xfrm>
+            <a:off x="192504" y="994058"/>
+            <a:ext cx="11742821" cy="5727584"/>
+          </a:xfrm>
+          <a:prstGeom prst="rect">
+            <a:avLst/>
+          </a:prstGeom>
+        </p:spPr>
+      </p:pic>
+    </p:spTree>
+    <p:extLst>
+      <p:ext uri="{BB962C8B-B14F-4D97-AF65-F5344CB8AC3E}">
+        <p14:creationId xmlns:p14="http://schemas.microsoft.com/office/powerpoint/2010/main" val="769045694"/>
+      </p:ext>
+    </p:extLst>
+  </p:cSld>
+  <p:clrMapOvr>
+    <a:masterClrMapping/>
+  </p:clrMapOvr>
+</p:sld>
+</file>
+
+<file path=ppt/slides/slide18.xml><?xml version="1.0" encoding="utf-8"?>
+<p:sld xmlns:a="http://schemas.openxmlformats.org/drawingml/2006/main" xmlns:r="http://schemas.openxmlformats.org/officeDocument/2006/relationships" xmlns:p="http://schemas.openxmlformats.org/presentationml/2006/main">
+  <p:cSld>
+    <p:spTree>
+      <p:nvGrpSpPr>
+        <p:cNvPr id="1" name=""/>
+        <p:cNvGrpSpPr/>
+        <p:nvPr/>
+      </p:nvGrpSpPr>
+      <p:grpSpPr>
+        <a:xfrm>
+          <a:off x="0" y="0"/>
+          <a:ext cx="0" cy="0"/>
+          <a:chOff x="0" y="0"/>
+          <a:chExt cx="0" cy="0"/>
+        </a:xfrm>
+      </p:grpSpPr>
+      <p:sp>
+        <p:nvSpPr>
+          <p:cNvPr id="2" name="Title 1">
+            <a:extLst>
+              <a:ext uri="{FF2B5EF4-FFF2-40B4-BE49-F238E27FC236}">
+                <a16:creationId xmlns:a16="http://schemas.microsoft.com/office/drawing/2014/main" id="{C5CD3D53-6EF0-485E-82B6-2CC4D9E28D4D}"/>
+              </a:ext>
+            </a:extLst>
+          </p:cNvPr>
+          <p:cNvSpPr>
+            <a:spLocks noGrp="1"/>
+          </p:cNvSpPr>
+          <p:nvPr>
+            <p:ph type="title"/>
+          </p:nvPr>
+        </p:nvSpPr>
+        <p:spPr>
+          <a:xfrm>
+            <a:off x="576943" y="0"/>
+            <a:ext cx="10515600" cy="1325563"/>
+          </a:xfrm>
+        </p:spPr>
+        <p:txBody>
+          <a:bodyPr/>
+          <a:lstStyle/>
+          <a:p>
+            <a:r>
+              <a:rPr lang="en-US" dirty="0"/>
+              <a:t>X,Y LABELS</a:t>
+            </a:r>
+            <a:endParaRPr lang="en-GB" dirty="0"/>
+          </a:p>
+        </p:txBody>
+      </p:sp>
+      <p:pic>
+        <p:nvPicPr>
+          <p:cNvPr id="15" name="Picture 14">
+            <a:extLst>
+              <a:ext uri="{FF2B5EF4-FFF2-40B4-BE49-F238E27FC236}">
+                <a16:creationId xmlns:a16="http://schemas.microsoft.com/office/drawing/2014/main" id="{068CFFA4-0CEE-4703-9BF4-60A26145641D}"/>
+              </a:ext>
+            </a:extLst>
+          </p:cNvPr>
+          <p:cNvPicPr>
+            <a:picLocks noChangeAspect="1"/>
+          </p:cNvPicPr>
+          <p:nvPr/>
+        </p:nvPicPr>
+        <p:blipFill>
+          <a:blip r:embed="rId2">
+            <a:extLst>
+              <a:ext uri="{28A0092B-C50C-407E-A947-70E740481C1C}">
+                <a14:useLocalDpi xmlns:a14="http://schemas.microsoft.com/office/drawing/2010/main" val="0"/>
+              </a:ext>
+            </a:extLst>
+          </a:blip>
+          <a:stretch>
+            <a:fillRect/>
+          </a:stretch>
+        </p:blipFill>
+        <p:spPr>
+          <a:xfrm>
+            <a:off x="194029" y="1028364"/>
+            <a:ext cx="11837550" cy="5661193"/>
+          </a:xfrm>
+          <a:prstGeom prst="rect">
+            <a:avLst/>
+          </a:prstGeom>
+        </p:spPr>
+      </p:pic>
+    </p:spTree>
+    <p:extLst>
+      <p:ext uri="{BB962C8B-B14F-4D97-AF65-F5344CB8AC3E}">
+        <p14:creationId xmlns:p14="http://schemas.microsoft.com/office/powerpoint/2010/main" val="4095725720"/>
+      </p:ext>
+    </p:extLst>
+  </p:cSld>
+  <p:clrMapOvr>
+    <a:masterClrMapping/>
+  </p:clrMapOvr>
+</p:sld>
+</file>
+
+<file path=ppt/slides/slide19.xml><?xml version="1.0" encoding="utf-8"?>
+<p:sld xmlns:a="http://schemas.openxmlformats.org/drawingml/2006/main" xmlns:r="http://schemas.openxmlformats.org/officeDocument/2006/relationships" xmlns:p="http://schemas.openxmlformats.org/presentationml/2006/main">
+  <p:cSld>
+    <p:spTree>
+      <p:nvGrpSpPr>
+        <p:cNvPr id="1" name=""/>
+        <p:cNvGrpSpPr/>
+        <p:nvPr/>
+      </p:nvGrpSpPr>
+      <p:grpSpPr>
+        <a:xfrm>
+          <a:off x="0" y="0"/>
+          <a:ext cx="0" cy="0"/>
+          <a:chOff x="0" y="0"/>
+          <a:chExt cx="0" cy="0"/>
+        </a:xfrm>
+      </p:grpSpPr>
+      <p:sp>
+        <p:nvSpPr>
+          <p:cNvPr id="2" name="Title 1">
+            <a:extLst>
+              <a:ext uri="{FF2B5EF4-FFF2-40B4-BE49-F238E27FC236}">
+                <a16:creationId xmlns:a16="http://schemas.microsoft.com/office/drawing/2014/main" id="{F8D4233E-B482-45A0-AD84-F7D3C9194B47}"/>
+              </a:ext>
+            </a:extLst>
+          </p:cNvPr>
+          <p:cNvSpPr>
+            <a:spLocks noGrp="1"/>
+          </p:cNvSpPr>
+          <p:nvPr>
+            <p:ph type="title"/>
+          </p:nvPr>
+        </p:nvSpPr>
+        <p:spPr>
+          <a:xfrm>
+            <a:off x="357353" y="152400"/>
+            <a:ext cx="10515600" cy="1325563"/>
+          </a:xfrm>
+        </p:spPr>
+        <p:txBody>
+          <a:bodyPr/>
+          <a:lstStyle/>
+          <a:p>
+            <a:r>
+              <a:rPr lang="en-US" dirty="0"/>
+              <a:t>INITIAL DATA BALANCE</a:t>
+            </a:r>
+            <a:endParaRPr lang="en-GB" dirty="0"/>
+          </a:p>
+        </p:txBody>
+      </p:sp>
+      <p:pic>
+        <p:nvPicPr>
+          <p:cNvPr id="4" name="Content Placeholder 3">
+            <a:extLst>
+              <a:ext uri="{FF2B5EF4-FFF2-40B4-BE49-F238E27FC236}">
+                <a16:creationId xmlns:a16="http://schemas.microsoft.com/office/drawing/2014/main" id="{AC0A1CB3-053B-4A70-91B6-BB8F0D726603}"/>
+              </a:ext>
+            </a:extLst>
+          </p:cNvPr>
+          <p:cNvPicPr>
+            <a:picLocks noGrp="1" noChangeAspect="1"/>
+          </p:cNvPicPr>
+          <p:nvPr>
+            <p:ph idx="1"/>
+          </p:nvPr>
+        </p:nvPicPr>
+        <p:blipFill>
+          <a:blip r:embed="rId2"/>
+          <a:stretch>
+            <a:fillRect/>
+          </a:stretch>
+        </p:blipFill>
+        <p:spPr>
+          <a:xfrm>
+            <a:off x="357353" y="1259813"/>
+            <a:ext cx="10996447" cy="5445787"/>
+          </a:xfrm>
+          <a:prstGeom prst="rect">
+            <a:avLst/>
+          </a:prstGeom>
+        </p:spPr>
+      </p:pic>
+    </p:spTree>
+    <p:extLst>
+      <p:ext uri="{BB962C8B-B14F-4D97-AF65-F5344CB8AC3E}">
+        <p14:creationId xmlns:p14="http://schemas.microsoft.com/office/powerpoint/2010/main" val="811974854"/>
       </p:ext>
     </p:extLst>
   </p:cSld>
@@ -4234,6 +4610,1245 @@
 </p:sld>
 </file>
 
+<file path=ppt/slides/slide20.xml><?xml version="1.0" encoding="utf-8"?>
+<p:sld xmlns:a="http://schemas.openxmlformats.org/drawingml/2006/main" xmlns:r="http://schemas.openxmlformats.org/officeDocument/2006/relationships" xmlns:p="http://schemas.openxmlformats.org/presentationml/2006/main">
+  <p:cSld>
+    <p:spTree>
+      <p:nvGrpSpPr>
+        <p:cNvPr id="1" name=""/>
+        <p:cNvGrpSpPr/>
+        <p:nvPr/>
+      </p:nvGrpSpPr>
+      <p:grpSpPr>
+        <a:xfrm>
+          <a:off x="0" y="0"/>
+          <a:ext cx="0" cy="0"/>
+          <a:chOff x="0" y="0"/>
+          <a:chExt cx="0" cy="0"/>
+        </a:xfrm>
+      </p:grpSpPr>
+      <p:sp>
+        <p:nvSpPr>
+          <p:cNvPr id="2" name="Title 1">
+            <a:extLst>
+              <a:ext uri="{FF2B5EF4-FFF2-40B4-BE49-F238E27FC236}">
+                <a16:creationId xmlns:a16="http://schemas.microsoft.com/office/drawing/2014/main" id="{FF6F85AE-F6F8-4763-921C-FC85366C396A}"/>
+              </a:ext>
+            </a:extLst>
+          </p:cNvPr>
+          <p:cNvSpPr>
+            <a:spLocks noGrp="1"/>
+          </p:cNvSpPr>
+          <p:nvPr>
+            <p:ph type="title"/>
+          </p:nvPr>
+        </p:nvSpPr>
+        <p:spPr>
+          <a:xfrm>
+            <a:off x="372979" y="204704"/>
+            <a:ext cx="10515600" cy="1325563"/>
+          </a:xfrm>
+        </p:spPr>
+        <p:txBody>
+          <a:bodyPr/>
+          <a:lstStyle/>
+          <a:p>
+            <a:r>
+              <a:rPr lang="en-US" dirty="0"/>
+              <a:t>FEATURE SELECTION</a:t>
+            </a:r>
+            <a:endParaRPr lang="en-GB" dirty="0"/>
+          </a:p>
+        </p:txBody>
+      </p:sp>
+      <p:sp>
+        <p:nvSpPr>
+          <p:cNvPr id="3" name="Content Placeholder 2">
+            <a:extLst>
+              <a:ext uri="{FF2B5EF4-FFF2-40B4-BE49-F238E27FC236}">
+                <a16:creationId xmlns:a16="http://schemas.microsoft.com/office/drawing/2014/main" id="{EC21A84B-F656-4492-90E0-7D09FA77FC4A}"/>
+              </a:ext>
+            </a:extLst>
+          </p:cNvPr>
+          <p:cNvSpPr>
+            <a:spLocks noGrp="1"/>
+          </p:cNvSpPr>
+          <p:nvPr>
+            <p:ph idx="1"/>
+          </p:nvPr>
+        </p:nvSpPr>
+        <p:spPr>
+          <a:xfrm>
+            <a:off x="372979" y="1697288"/>
+            <a:ext cx="4616116" cy="4351338"/>
+          </a:xfrm>
+        </p:spPr>
+        <p:txBody>
+          <a:bodyPr>
+            <a:normAutofit fontScale="85000" lnSpcReduction="20000"/>
+          </a:bodyPr>
+          <a:lstStyle/>
+          <a:p>
+            <a:pPr marL="0" indent="0">
+              <a:buNone/>
+            </a:pPr>
+            <a:r>
+              <a:rPr lang="en-US" dirty="0"/>
+              <a:t>PEARSON CORRELATION</a:t>
+            </a:r>
+          </a:p>
+          <a:p>
+            <a:pPr marL="0" indent="0">
+              <a:buNone/>
+            </a:pPr>
+            <a:r>
+              <a:rPr lang="en-GB" dirty="0"/>
+              <a:t>From the Pearson Correlation carried out on the feature selection for the model, we observe that the following features produce a positive relationship with the target.</a:t>
+            </a:r>
+          </a:p>
+          <a:p>
+            <a:r>
+              <a:rPr lang="en-GB" dirty="0"/>
+              <a:t>Distance covered by horse. </a:t>
+            </a:r>
+          </a:p>
+          <a:p>
+            <a:r>
+              <a:rPr lang="en-GB" dirty="0"/>
+              <a:t>Weight of the horse.</a:t>
+            </a:r>
+          </a:p>
+          <a:p>
+            <a:r>
+              <a:rPr lang="en-GB" dirty="0"/>
+              <a:t>prize money which is linked to the trainer and jockey for the particular race</a:t>
+            </a:r>
+          </a:p>
+          <a:p>
+            <a:r>
+              <a:rPr lang="en-GB" dirty="0"/>
+              <a:t>Top speed which is the speed of the horse</a:t>
+            </a:r>
+          </a:p>
+          <a:p>
+            <a:pPr marL="0" indent="0">
+              <a:buNone/>
+            </a:pPr>
+            <a:endParaRPr lang="en-GB" dirty="0"/>
+          </a:p>
+        </p:txBody>
+      </p:sp>
+      <p:pic>
+        <p:nvPicPr>
+          <p:cNvPr id="4" name="Content Placeholder 4">
+            <a:extLst>
+              <a:ext uri="{FF2B5EF4-FFF2-40B4-BE49-F238E27FC236}">
+                <a16:creationId xmlns:a16="http://schemas.microsoft.com/office/drawing/2014/main" id="{BF575FCF-3D0F-4CEF-8243-57E507A09432}"/>
+              </a:ext>
+            </a:extLst>
+          </p:cNvPr>
+          <p:cNvPicPr>
+            <a:picLocks noChangeAspect="1"/>
+          </p:cNvPicPr>
+          <p:nvPr/>
+        </p:nvPicPr>
+        <p:blipFill>
+          <a:blip r:embed="rId2"/>
+          <a:stretch>
+            <a:fillRect/>
+          </a:stretch>
+        </p:blipFill>
+        <p:spPr>
+          <a:xfrm>
+            <a:off x="5282029" y="204704"/>
+            <a:ext cx="6662229" cy="6448592"/>
+          </a:xfrm>
+          <a:prstGeom prst="rect">
+            <a:avLst/>
+          </a:prstGeom>
+        </p:spPr>
+      </p:pic>
+    </p:spTree>
+    <p:extLst>
+      <p:ext uri="{BB962C8B-B14F-4D97-AF65-F5344CB8AC3E}">
+        <p14:creationId xmlns:p14="http://schemas.microsoft.com/office/powerpoint/2010/main" val="1538243571"/>
+      </p:ext>
+    </p:extLst>
+  </p:cSld>
+  <p:clrMapOvr>
+    <a:masterClrMapping/>
+  </p:clrMapOvr>
+</p:sld>
+</file>
+
+<file path=ppt/slides/slide21.xml><?xml version="1.0" encoding="utf-8"?>
+<p:sld xmlns:a="http://schemas.openxmlformats.org/drawingml/2006/main" xmlns:r="http://schemas.openxmlformats.org/officeDocument/2006/relationships" xmlns:p="http://schemas.openxmlformats.org/presentationml/2006/main">
+  <p:cSld>
+    <p:spTree>
+      <p:nvGrpSpPr>
+        <p:cNvPr id="1" name=""/>
+        <p:cNvGrpSpPr/>
+        <p:nvPr/>
+      </p:nvGrpSpPr>
+      <p:grpSpPr>
+        <a:xfrm>
+          <a:off x="0" y="0"/>
+          <a:ext cx="0" cy="0"/>
+          <a:chOff x="0" y="0"/>
+          <a:chExt cx="0" cy="0"/>
+        </a:xfrm>
+      </p:grpSpPr>
+      <p:sp>
+        <p:nvSpPr>
+          <p:cNvPr id="2" name="Title 1">
+            <a:extLst>
+              <a:ext uri="{FF2B5EF4-FFF2-40B4-BE49-F238E27FC236}">
+                <a16:creationId xmlns:a16="http://schemas.microsoft.com/office/drawing/2014/main" id="{A0882EC9-BC5A-443F-B795-48F79DB13DCB}"/>
+              </a:ext>
+            </a:extLst>
+          </p:cNvPr>
+          <p:cNvSpPr>
+            <a:spLocks noGrp="1"/>
+          </p:cNvSpPr>
+          <p:nvPr>
+            <p:ph type="title"/>
+          </p:nvPr>
+        </p:nvSpPr>
+        <p:spPr>
+          <a:xfrm>
+            <a:off x="405063" y="0"/>
+            <a:ext cx="10515600" cy="1325563"/>
+          </a:xfrm>
+        </p:spPr>
+        <p:txBody>
+          <a:bodyPr/>
+          <a:lstStyle/>
+          <a:p>
+            <a:r>
+              <a:rPr lang="en-US" dirty="0"/>
+              <a:t>DATA BALANCE</a:t>
+            </a:r>
+            <a:endParaRPr lang="en-GB" dirty="0"/>
+          </a:p>
+        </p:txBody>
+      </p:sp>
+      <p:pic>
+        <p:nvPicPr>
+          <p:cNvPr id="4" name="Content Placeholder 3">
+            <a:extLst>
+              <a:ext uri="{FF2B5EF4-FFF2-40B4-BE49-F238E27FC236}">
+                <a16:creationId xmlns:a16="http://schemas.microsoft.com/office/drawing/2014/main" id="{7DD1A377-C493-4A1B-BEF6-1745AC3F68F0}"/>
+              </a:ext>
+            </a:extLst>
+          </p:cNvPr>
+          <p:cNvPicPr>
+            <a:picLocks noGrp="1" noChangeAspect="1"/>
+          </p:cNvPicPr>
+          <p:nvPr>
+            <p:ph idx="1"/>
+          </p:nvPr>
+        </p:nvPicPr>
+        <p:blipFill>
+          <a:blip r:embed="rId2"/>
+          <a:stretch>
+            <a:fillRect/>
+          </a:stretch>
+        </p:blipFill>
+        <p:spPr>
+          <a:xfrm>
+            <a:off x="208548" y="1315452"/>
+            <a:ext cx="11726778" cy="5325979"/>
+          </a:xfrm>
+          <a:prstGeom prst="rect">
+            <a:avLst/>
+          </a:prstGeom>
+        </p:spPr>
+      </p:pic>
+    </p:spTree>
+    <p:extLst>
+      <p:ext uri="{BB962C8B-B14F-4D97-AF65-F5344CB8AC3E}">
+        <p14:creationId xmlns:p14="http://schemas.microsoft.com/office/powerpoint/2010/main" val="2096838241"/>
+      </p:ext>
+    </p:extLst>
+  </p:cSld>
+  <p:clrMapOvr>
+    <a:masterClrMapping/>
+  </p:clrMapOvr>
+</p:sld>
+</file>
+
+<file path=ppt/slides/slide22.xml><?xml version="1.0" encoding="utf-8"?>
+<p:sld xmlns:a="http://schemas.openxmlformats.org/drawingml/2006/main" xmlns:r="http://schemas.openxmlformats.org/officeDocument/2006/relationships" xmlns:p="http://schemas.openxmlformats.org/presentationml/2006/main">
+  <p:cSld>
+    <p:spTree>
+      <p:nvGrpSpPr>
+        <p:cNvPr id="1" name=""/>
+        <p:cNvGrpSpPr/>
+        <p:nvPr/>
+      </p:nvGrpSpPr>
+      <p:grpSpPr>
+        <a:xfrm>
+          <a:off x="0" y="0"/>
+          <a:ext cx="0" cy="0"/>
+          <a:chOff x="0" y="0"/>
+          <a:chExt cx="0" cy="0"/>
+        </a:xfrm>
+      </p:grpSpPr>
+      <p:sp>
+        <p:nvSpPr>
+          <p:cNvPr id="2" name="Title 1">
+            <a:extLst>
+              <a:ext uri="{FF2B5EF4-FFF2-40B4-BE49-F238E27FC236}">
+                <a16:creationId xmlns:a16="http://schemas.microsoft.com/office/drawing/2014/main" id="{5123CAA6-8210-4E9B-866D-BF94ACC732DE}"/>
+              </a:ext>
+            </a:extLst>
+          </p:cNvPr>
+          <p:cNvSpPr>
+            <a:spLocks noGrp="1"/>
+          </p:cNvSpPr>
+          <p:nvPr>
+            <p:ph type="title"/>
+          </p:nvPr>
+        </p:nvSpPr>
+        <p:spPr>
+          <a:xfrm>
+            <a:off x="176463" y="204704"/>
+            <a:ext cx="10515600" cy="1325563"/>
+          </a:xfrm>
+        </p:spPr>
+        <p:txBody>
+          <a:bodyPr/>
+          <a:lstStyle/>
+          <a:p>
+            <a:r>
+              <a:rPr lang="en-GB" b="1" dirty="0"/>
+              <a:t>From </a:t>
+            </a:r>
+            <a:r>
+              <a:rPr lang="en-GB" b="1" dirty="0" err="1"/>
+              <a:t>sklearn-train:validate:test</a:t>
+            </a:r>
+            <a:r>
+              <a:rPr lang="en-GB" b="1" dirty="0"/>
+              <a:t> split</a:t>
+            </a:r>
+            <a:br>
+              <a:rPr lang="en-GB" b="1" dirty="0"/>
+            </a:br>
+            <a:r>
+              <a:rPr lang="en-GB" b="1" dirty="0" err="1"/>
+              <a:t>split</a:t>
+            </a:r>
+            <a:r>
+              <a:rPr lang="en-GB" b="1" dirty="0"/>
+              <a:t> ratio- 80:10:10</a:t>
+            </a:r>
+            <a:endParaRPr lang="en-GB" dirty="0"/>
+          </a:p>
+        </p:txBody>
+      </p:sp>
+      <p:sp>
+        <p:nvSpPr>
+          <p:cNvPr id="3" name="Content Placeholder 2">
+            <a:extLst>
+              <a:ext uri="{FF2B5EF4-FFF2-40B4-BE49-F238E27FC236}">
+                <a16:creationId xmlns:a16="http://schemas.microsoft.com/office/drawing/2014/main" id="{0371E5A8-618E-4039-AA81-4A0A9D3008CA}"/>
+              </a:ext>
+            </a:extLst>
+          </p:cNvPr>
+          <p:cNvSpPr>
+            <a:spLocks noGrp="1"/>
+          </p:cNvSpPr>
+          <p:nvPr>
+            <p:ph idx="1"/>
+          </p:nvPr>
+        </p:nvSpPr>
+        <p:spPr/>
+        <p:txBody>
+          <a:bodyPr/>
+          <a:lstStyle/>
+          <a:p>
+            <a:endParaRPr lang="en-GB"/>
+          </a:p>
+        </p:txBody>
+      </p:sp>
+      <p:pic>
+        <p:nvPicPr>
+          <p:cNvPr id="4" name="Content Placeholder 3">
+            <a:extLst>
+              <a:ext uri="{FF2B5EF4-FFF2-40B4-BE49-F238E27FC236}">
+                <a16:creationId xmlns:a16="http://schemas.microsoft.com/office/drawing/2014/main" id="{D8BAEE97-DD8D-477C-A7BF-8AEA26D08D47}"/>
+              </a:ext>
+            </a:extLst>
+          </p:cNvPr>
+          <p:cNvPicPr>
+            <a:picLocks noChangeAspect="1"/>
+          </p:cNvPicPr>
+          <p:nvPr/>
+        </p:nvPicPr>
+        <p:blipFill>
+          <a:blip r:embed="rId2"/>
+          <a:stretch>
+            <a:fillRect/>
+          </a:stretch>
+        </p:blipFill>
+        <p:spPr>
+          <a:xfrm>
+            <a:off x="176463" y="1693074"/>
+            <a:ext cx="11839074" cy="5164925"/>
+          </a:xfrm>
+          <a:prstGeom prst="rect">
+            <a:avLst/>
+          </a:prstGeom>
+        </p:spPr>
+      </p:pic>
+    </p:spTree>
+    <p:extLst>
+      <p:ext uri="{BB962C8B-B14F-4D97-AF65-F5344CB8AC3E}">
+        <p14:creationId xmlns:p14="http://schemas.microsoft.com/office/powerpoint/2010/main" val="1817384355"/>
+      </p:ext>
+    </p:extLst>
+  </p:cSld>
+  <p:clrMapOvr>
+    <a:masterClrMapping/>
+  </p:clrMapOvr>
+</p:sld>
+</file>
+
+<file path=ppt/slides/slide23.xml><?xml version="1.0" encoding="utf-8"?>
+<p:sld xmlns:a="http://schemas.openxmlformats.org/drawingml/2006/main" xmlns:r="http://schemas.openxmlformats.org/officeDocument/2006/relationships" xmlns:p="http://schemas.openxmlformats.org/presentationml/2006/main">
+  <p:cSld>
+    <p:spTree>
+      <p:nvGrpSpPr>
+        <p:cNvPr id="1" name=""/>
+        <p:cNvGrpSpPr/>
+        <p:nvPr/>
+      </p:nvGrpSpPr>
+      <p:grpSpPr>
+        <a:xfrm>
+          <a:off x="0" y="0"/>
+          <a:ext cx="0" cy="0"/>
+          <a:chOff x="0" y="0"/>
+          <a:chExt cx="0" cy="0"/>
+        </a:xfrm>
+      </p:grpSpPr>
+      <p:sp>
+        <p:nvSpPr>
+          <p:cNvPr id="2" name="Title 1">
+            <a:extLst>
+              <a:ext uri="{FF2B5EF4-FFF2-40B4-BE49-F238E27FC236}">
+                <a16:creationId xmlns:a16="http://schemas.microsoft.com/office/drawing/2014/main" id="{6D94FAC5-1703-48AB-AE03-0BDE8BD2AEEA}"/>
+              </a:ext>
+            </a:extLst>
+          </p:cNvPr>
+          <p:cNvSpPr>
+            <a:spLocks noGrp="1"/>
+          </p:cNvSpPr>
+          <p:nvPr>
+            <p:ph type="title"/>
+          </p:nvPr>
+        </p:nvSpPr>
+        <p:spPr>
+          <a:xfrm>
+            <a:off x="196516" y="204704"/>
+            <a:ext cx="10515600" cy="1325563"/>
+          </a:xfrm>
+        </p:spPr>
+        <p:txBody>
+          <a:bodyPr/>
+          <a:lstStyle/>
+          <a:p>
+            <a:r>
+              <a:rPr lang="en-GB" sz="4400" b="1" dirty="0"/>
+              <a:t>from </a:t>
+            </a:r>
+            <a:r>
+              <a:rPr lang="en-GB" sz="4400" b="1" dirty="0" err="1"/>
+              <a:t>sklearn.preprocessing</a:t>
+            </a:r>
+            <a:r>
+              <a:rPr lang="en-GB" sz="4400" b="1" dirty="0"/>
+              <a:t> import </a:t>
+            </a:r>
+            <a:r>
+              <a:rPr lang="en-GB" sz="4400" b="1" dirty="0" err="1"/>
+              <a:t>StandardScaler</a:t>
+            </a:r>
+            <a:r>
+              <a:rPr lang="en-GB" sz="4400" b="1" dirty="0"/>
+              <a:t>,</a:t>
+            </a:r>
+            <a:endParaRPr lang="en-GB" dirty="0"/>
+          </a:p>
+        </p:txBody>
+      </p:sp>
+      <p:pic>
+        <p:nvPicPr>
+          <p:cNvPr id="4" name="Picture 3">
+            <a:extLst>
+              <a:ext uri="{FF2B5EF4-FFF2-40B4-BE49-F238E27FC236}">
+                <a16:creationId xmlns:a16="http://schemas.microsoft.com/office/drawing/2014/main" id="{369412CE-02D8-4F7F-B2C4-45DF4B549172}"/>
+              </a:ext>
+            </a:extLst>
+          </p:cNvPr>
+          <p:cNvPicPr>
+            <a:picLocks noChangeAspect="1"/>
+          </p:cNvPicPr>
+          <p:nvPr/>
+        </p:nvPicPr>
+        <p:blipFill>
+          <a:blip r:embed="rId2"/>
+          <a:stretch>
+            <a:fillRect/>
+          </a:stretch>
+        </p:blipFill>
+        <p:spPr>
+          <a:xfrm>
+            <a:off x="7946834" y="131028"/>
+            <a:ext cx="4219218" cy="1472916"/>
+          </a:xfrm>
+          <a:prstGeom prst="rect">
+            <a:avLst/>
+          </a:prstGeom>
+        </p:spPr>
+      </p:pic>
+      <p:pic>
+        <p:nvPicPr>
+          <p:cNvPr id="5" name="Picture 4">
+            <a:extLst>
+              <a:ext uri="{FF2B5EF4-FFF2-40B4-BE49-F238E27FC236}">
+                <a16:creationId xmlns:a16="http://schemas.microsoft.com/office/drawing/2014/main" id="{367E9D96-8364-4916-9D8F-4E115578EAEB}"/>
+              </a:ext>
+            </a:extLst>
+          </p:cNvPr>
+          <p:cNvPicPr>
+            <a:picLocks noChangeAspect="1"/>
+          </p:cNvPicPr>
+          <p:nvPr/>
+        </p:nvPicPr>
+        <p:blipFill>
+          <a:blip r:embed="rId3"/>
+          <a:stretch>
+            <a:fillRect/>
+          </a:stretch>
+        </p:blipFill>
+        <p:spPr>
+          <a:xfrm>
+            <a:off x="196516" y="1603944"/>
+            <a:ext cx="3396916" cy="5049352"/>
+          </a:xfrm>
+          <a:prstGeom prst="rect">
+            <a:avLst/>
+          </a:prstGeom>
+        </p:spPr>
+      </p:pic>
+      <p:pic>
+        <p:nvPicPr>
+          <p:cNvPr id="7" name="Picture 6">
+            <a:extLst>
+              <a:ext uri="{FF2B5EF4-FFF2-40B4-BE49-F238E27FC236}">
+                <a16:creationId xmlns:a16="http://schemas.microsoft.com/office/drawing/2014/main" id="{92C5BB96-C3E0-4525-880E-C50DF64C0445}"/>
+              </a:ext>
+            </a:extLst>
+          </p:cNvPr>
+          <p:cNvPicPr>
+            <a:picLocks noChangeAspect="1"/>
+          </p:cNvPicPr>
+          <p:nvPr/>
+        </p:nvPicPr>
+        <p:blipFill>
+          <a:blip r:embed="rId4"/>
+          <a:stretch>
+            <a:fillRect/>
+          </a:stretch>
+        </p:blipFill>
+        <p:spPr>
+          <a:xfrm>
+            <a:off x="3867616" y="1603943"/>
+            <a:ext cx="3903723" cy="5049351"/>
+          </a:xfrm>
+          <a:prstGeom prst="rect">
+            <a:avLst/>
+          </a:prstGeom>
+        </p:spPr>
+      </p:pic>
+      <p:pic>
+        <p:nvPicPr>
+          <p:cNvPr id="8" name="Picture 7">
+            <a:extLst>
+              <a:ext uri="{FF2B5EF4-FFF2-40B4-BE49-F238E27FC236}">
+                <a16:creationId xmlns:a16="http://schemas.microsoft.com/office/drawing/2014/main" id="{FB4C3DF1-8CCD-4ED5-B1EA-F4AEBD92B601}"/>
+              </a:ext>
+            </a:extLst>
+          </p:cNvPr>
+          <p:cNvPicPr>
+            <a:picLocks noChangeAspect="1"/>
+          </p:cNvPicPr>
+          <p:nvPr/>
+        </p:nvPicPr>
+        <p:blipFill>
+          <a:blip r:embed="rId5"/>
+          <a:stretch>
+            <a:fillRect/>
+          </a:stretch>
+        </p:blipFill>
+        <p:spPr>
+          <a:xfrm>
+            <a:off x="8091761" y="1677620"/>
+            <a:ext cx="3903723" cy="4975674"/>
+          </a:xfrm>
+          <a:prstGeom prst="rect">
+            <a:avLst/>
+          </a:prstGeom>
+        </p:spPr>
+      </p:pic>
+    </p:spTree>
+    <p:extLst>
+      <p:ext uri="{BB962C8B-B14F-4D97-AF65-F5344CB8AC3E}">
+        <p14:creationId xmlns:p14="http://schemas.microsoft.com/office/powerpoint/2010/main" val="529176046"/>
+      </p:ext>
+    </p:extLst>
+  </p:cSld>
+  <p:clrMapOvr>
+    <a:masterClrMapping/>
+  </p:clrMapOvr>
+</p:sld>
+</file>
+
+<file path=ppt/slides/slide24.xml><?xml version="1.0" encoding="utf-8"?>
+<p:sld xmlns:a="http://schemas.openxmlformats.org/drawingml/2006/main" xmlns:r="http://schemas.openxmlformats.org/officeDocument/2006/relationships" xmlns:p="http://schemas.openxmlformats.org/presentationml/2006/main">
+  <p:cSld>
+    <p:spTree>
+      <p:nvGrpSpPr>
+        <p:cNvPr id="1" name=""/>
+        <p:cNvGrpSpPr/>
+        <p:nvPr/>
+      </p:nvGrpSpPr>
+      <p:grpSpPr>
+        <a:xfrm>
+          <a:off x="0" y="0"/>
+          <a:ext cx="0" cy="0"/>
+          <a:chOff x="0" y="0"/>
+          <a:chExt cx="0" cy="0"/>
+        </a:xfrm>
+      </p:grpSpPr>
+      <p:sp>
+        <p:nvSpPr>
+          <p:cNvPr id="2" name="Title 1">
+            <a:extLst>
+              <a:ext uri="{FF2B5EF4-FFF2-40B4-BE49-F238E27FC236}">
+                <a16:creationId xmlns:a16="http://schemas.microsoft.com/office/drawing/2014/main" id="{267A9C35-C1BF-4D83-A29F-63A7AB25C4B0}"/>
+              </a:ext>
+            </a:extLst>
+          </p:cNvPr>
+          <p:cNvSpPr>
+            <a:spLocks noGrp="1"/>
+          </p:cNvSpPr>
+          <p:nvPr>
+            <p:ph type="title"/>
+          </p:nvPr>
+        </p:nvSpPr>
+        <p:spPr>
+          <a:xfrm>
+            <a:off x="260684" y="172620"/>
+            <a:ext cx="10515600" cy="1325563"/>
+          </a:xfrm>
+        </p:spPr>
+        <p:txBody>
+          <a:bodyPr/>
+          <a:lstStyle/>
+          <a:p>
+            <a:r>
+              <a:rPr lang="en-US" dirty="0"/>
+              <a:t>LOGISTIC REGRESSION</a:t>
+            </a:r>
+            <a:endParaRPr lang="en-GB" dirty="0"/>
+          </a:p>
+        </p:txBody>
+      </p:sp>
+      <p:pic>
+        <p:nvPicPr>
+          <p:cNvPr id="4" name="Content Placeholder 3">
+            <a:extLst>
+              <a:ext uri="{FF2B5EF4-FFF2-40B4-BE49-F238E27FC236}">
+                <a16:creationId xmlns:a16="http://schemas.microsoft.com/office/drawing/2014/main" id="{5569FCA8-ADF6-4BED-9A07-2CBB76447EF1}"/>
+              </a:ext>
+            </a:extLst>
+          </p:cNvPr>
+          <p:cNvPicPr>
+            <a:picLocks noChangeAspect="1"/>
+          </p:cNvPicPr>
+          <p:nvPr/>
+        </p:nvPicPr>
+        <p:blipFill>
+          <a:blip r:embed="rId2"/>
+          <a:stretch>
+            <a:fillRect/>
+          </a:stretch>
+        </p:blipFill>
+        <p:spPr>
+          <a:xfrm>
+            <a:off x="260684" y="1251284"/>
+            <a:ext cx="11670632" cy="5434096"/>
+          </a:xfrm>
+          <a:prstGeom prst="rect">
+            <a:avLst/>
+          </a:prstGeom>
+        </p:spPr>
+      </p:pic>
+    </p:spTree>
+    <p:extLst>
+      <p:ext uri="{BB962C8B-B14F-4D97-AF65-F5344CB8AC3E}">
+        <p14:creationId xmlns:p14="http://schemas.microsoft.com/office/powerpoint/2010/main" val="2089969918"/>
+      </p:ext>
+    </p:extLst>
+  </p:cSld>
+  <p:clrMapOvr>
+    <a:masterClrMapping/>
+  </p:clrMapOvr>
+</p:sld>
+</file>
+
+<file path=ppt/slides/slide25.xml><?xml version="1.0" encoding="utf-8"?>
+<p:sld xmlns:a="http://schemas.openxmlformats.org/drawingml/2006/main" xmlns:r="http://schemas.openxmlformats.org/officeDocument/2006/relationships" xmlns:p="http://schemas.openxmlformats.org/presentationml/2006/main">
+  <p:cSld>
+    <p:spTree>
+      <p:nvGrpSpPr>
+        <p:cNvPr id="1" name=""/>
+        <p:cNvGrpSpPr/>
+        <p:nvPr/>
+      </p:nvGrpSpPr>
+      <p:grpSpPr>
+        <a:xfrm>
+          <a:off x="0" y="0"/>
+          <a:ext cx="0" cy="0"/>
+          <a:chOff x="0" y="0"/>
+          <a:chExt cx="0" cy="0"/>
+        </a:xfrm>
+      </p:grpSpPr>
+      <p:sp>
+        <p:nvSpPr>
+          <p:cNvPr id="2" name="Title 1">
+            <a:extLst>
+              <a:ext uri="{FF2B5EF4-FFF2-40B4-BE49-F238E27FC236}">
+                <a16:creationId xmlns:a16="http://schemas.microsoft.com/office/drawing/2014/main" id="{FBF30160-EE8F-406B-A8BD-CF2D4C35312E}"/>
+              </a:ext>
+            </a:extLst>
+          </p:cNvPr>
+          <p:cNvSpPr>
+            <a:spLocks noGrp="1"/>
+          </p:cNvSpPr>
+          <p:nvPr>
+            <p:ph type="title"/>
+          </p:nvPr>
+        </p:nvSpPr>
+        <p:spPr>
+          <a:xfrm>
+            <a:off x="196516" y="236788"/>
+            <a:ext cx="10515600" cy="1325563"/>
+          </a:xfrm>
+        </p:spPr>
+        <p:txBody>
+          <a:bodyPr/>
+          <a:lstStyle/>
+          <a:p>
+            <a:r>
+              <a:rPr lang="en-US" dirty="0"/>
+              <a:t>DECISION TREE CLASSIFIER</a:t>
+            </a:r>
+            <a:endParaRPr lang="en-GB" dirty="0"/>
+          </a:p>
+        </p:txBody>
+      </p:sp>
+      <p:pic>
+        <p:nvPicPr>
+          <p:cNvPr id="4" name="Content Placeholder 3">
+            <a:extLst>
+              <a:ext uri="{FF2B5EF4-FFF2-40B4-BE49-F238E27FC236}">
+                <a16:creationId xmlns:a16="http://schemas.microsoft.com/office/drawing/2014/main" id="{445B0AB9-778A-4FF7-8D81-0738ED2B52A6}"/>
+              </a:ext>
+            </a:extLst>
+          </p:cNvPr>
+          <p:cNvPicPr>
+            <a:picLocks noGrp="1" noChangeAspect="1"/>
+          </p:cNvPicPr>
+          <p:nvPr>
+            <p:ph idx="1"/>
+          </p:nvPr>
+        </p:nvPicPr>
+        <p:blipFill>
+          <a:blip r:embed="rId2"/>
+          <a:stretch>
+            <a:fillRect/>
+          </a:stretch>
+        </p:blipFill>
+        <p:spPr>
+          <a:xfrm>
+            <a:off x="309227" y="1371985"/>
+            <a:ext cx="11401510" cy="5249227"/>
+          </a:xfrm>
+          <a:prstGeom prst="rect">
+            <a:avLst/>
+          </a:prstGeom>
+        </p:spPr>
+      </p:pic>
+    </p:spTree>
+    <p:extLst>
+      <p:ext uri="{BB962C8B-B14F-4D97-AF65-F5344CB8AC3E}">
+        <p14:creationId xmlns:p14="http://schemas.microsoft.com/office/powerpoint/2010/main" val="1308926650"/>
+      </p:ext>
+    </p:extLst>
+  </p:cSld>
+  <p:clrMapOvr>
+    <a:masterClrMapping/>
+  </p:clrMapOvr>
+</p:sld>
+</file>
+
+<file path=ppt/slides/slide26.xml><?xml version="1.0" encoding="utf-8"?>
+<p:sld xmlns:a="http://schemas.openxmlformats.org/drawingml/2006/main" xmlns:r="http://schemas.openxmlformats.org/officeDocument/2006/relationships" xmlns:p="http://schemas.openxmlformats.org/presentationml/2006/main">
+  <p:cSld>
+    <p:spTree>
+      <p:nvGrpSpPr>
+        <p:cNvPr id="1" name=""/>
+        <p:cNvGrpSpPr/>
+        <p:nvPr/>
+      </p:nvGrpSpPr>
+      <p:grpSpPr>
+        <a:xfrm>
+          <a:off x="0" y="0"/>
+          <a:ext cx="0" cy="0"/>
+          <a:chOff x="0" y="0"/>
+          <a:chExt cx="0" cy="0"/>
+        </a:xfrm>
+      </p:grpSpPr>
+      <p:sp>
+        <p:nvSpPr>
+          <p:cNvPr id="2" name="Title 1">
+            <a:extLst>
+              <a:ext uri="{FF2B5EF4-FFF2-40B4-BE49-F238E27FC236}">
+                <a16:creationId xmlns:a16="http://schemas.microsoft.com/office/drawing/2014/main" id="{F79793A1-EDFC-4A67-9A5A-7A59E3ABFB41}"/>
+              </a:ext>
+            </a:extLst>
+          </p:cNvPr>
+          <p:cNvSpPr>
+            <a:spLocks noGrp="1"/>
+          </p:cNvSpPr>
+          <p:nvPr>
+            <p:ph type="title"/>
+          </p:nvPr>
+        </p:nvSpPr>
+        <p:spPr>
+          <a:xfrm>
+            <a:off x="260685" y="268873"/>
+            <a:ext cx="10515600" cy="1325563"/>
+          </a:xfrm>
+        </p:spPr>
+        <p:txBody>
+          <a:bodyPr/>
+          <a:lstStyle/>
+          <a:p>
+            <a:r>
+              <a:rPr lang="en-US" dirty="0"/>
+              <a:t>RANDOM FOREST CLASSIFIER</a:t>
+            </a:r>
+            <a:endParaRPr lang="en-GB" dirty="0"/>
+          </a:p>
+        </p:txBody>
+      </p:sp>
+      <p:pic>
+        <p:nvPicPr>
+          <p:cNvPr id="4" name="Content Placeholder 3">
+            <a:extLst>
+              <a:ext uri="{FF2B5EF4-FFF2-40B4-BE49-F238E27FC236}">
+                <a16:creationId xmlns:a16="http://schemas.microsoft.com/office/drawing/2014/main" id="{3FB14F03-BDB0-4651-B544-F3FA87C3E875}"/>
+              </a:ext>
+            </a:extLst>
+          </p:cNvPr>
+          <p:cNvPicPr>
+            <a:picLocks noGrp="1" noChangeAspect="1"/>
+          </p:cNvPicPr>
+          <p:nvPr>
+            <p:ph idx="1"/>
+          </p:nvPr>
+        </p:nvPicPr>
+        <p:blipFill>
+          <a:blip r:embed="rId2"/>
+          <a:stretch>
+            <a:fillRect/>
+          </a:stretch>
+        </p:blipFill>
+        <p:spPr>
+          <a:xfrm>
+            <a:off x="260685" y="1323444"/>
+            <a:ext cx="11670630" cy="5265683"/>
+          </a:xfrm>
+          <a:prstGeom prst="rect">
+            <a:avLst/>
+          </a:prstGeom>
+        </p:spPr>
+      </p:pic>
+    </p:spTree>
+    <p:extLst>
+      <p:ext uri="{BB962C8B-B14F-4D97-AF65-F5344CB8AC3E}">
+        <p14:creationId xmlns:p14="http://schemas.microsoft.com/office/powerpoint/2010/main" val="4110738919"/>
+      </p:ext>
+    </p:extLst>
+  </p:cSld>
+  <p:clrMapOvr>
+    <a:masterClrMapping/>
+  </p:clrMapOvr>
+</p:sld>
+</file>
+
+<file path=ppt/slides/slide27.xml><?xml version="1.0" encoding="utf-8"?>
+<p:sld xmlns:a="http://schemas.openxmlformats.org/drawingml/2006/main" xmlns:r="http://schemas.openxmlformats.org/officeDocument/2006/relationships" xmlns:p="http://schemas.openxmlformats.org/presentationml/2006/main">
+  <p:cSld>
+    <p:spTree>
+      <p:nvGrpSpPr>
+        <p:cNvPr id="1" name=""/>
+        <p:cNvGrpSpPr/>
+        <p:nvPr/>
+      </p:nvGrpSpPr>
+      <p:grpSpPr>
+        <a:xfrm>
+          <a:off x="0" y="0"/>
+          <a:ext cx="0" cy="0"/>
+          <a:chOff x="0" y="0"/>
+          <a:chExt cx="0" cy="0"/>
+        </a:xfrm>
+      </p:grpSpPr>
+      <p:sp>
+        <p:nvSpPr>
+          <p:cNvPr id="2" name="Title 1">
+            <a:extLst>
+              <a:ext uri="{FF2B5EF4-FFF2-40B4-BE49-F238E27FC236}">
+                <a16:creationId xmlns:a16="http://schemas.microsoft.com/office/drawing/2014/main" id="{3CCF4920-ADDE-4E6B-8FBC-36699631C9E3}"/>
+              </a:ext>
+            </a:extLst>
+          </p:cNvPr>
+          <p:cNvSpPr>
+            <a:spLocks noGrp="1"/>
+          </p:cNvSpPr>
+          <p:nvPr>
+            <p:ph type="title"/>
+          </p:nvPr>
+        </p:nvSpPr>
+        <p:spPr>
+          <a:xfrm>
+            <a:off x="148390" y="188661"/>
+            <a:ext cx="10515600" cy="1325563"/>
+          </a:xfrm>
+        </p:spPr>
+        <p:txBody>
+          <a:bodyPr/>
+          <a:lstStyle/>
+          <a:p>
+            <a:r>
+              <a:rPr lang="en-GB" sz="4400" b="1" dirty="0"/>
+              <a:t>Confusion Matrix as confirmation of model</a:t>
+            </a:r>
+            <a:endParaRPr lang="en-GB" dirty="0"/>
+          </a:p>
+        </p:txBody>
+      </p:sp>
+      <p:pic>
+        <p:nvPicPr>
+          <p:cNvPr id="4" name="Content Placeholder 3">
+            <a:extLst>
+              <a:ext uri="{FF2B5EF4-FFF2-40B4-BE49-F238E27FC236}">
+                <a16:creationId xmlns:a16="http://schemas.microsoft.com/office/drawing/2014/main" id="{18DD073A-0766-482D-90EB-51CFF3BA85E9}"/>
+              </a:ext>
+            </a:extLst>
+          </p:cNvPr>
+          <p:cNvPicPr>
+            <a:picLocks noGrp="1" noChangeAspect="1"/>
+          </p:cNvPicPr>
+          <p:nvPr>
+            <p:ph idx="1"/>
+          </p:nvPr>
+        </p:nvPicPr>
+        <p:blipFill>
+          <a:blip r:embed="rId2"/>
+          <a:stretch>
+            <a:fillRect/>
+          </a:stretch>
+        </p:blipFill>
+        <p:spPr>
+          <a:xfrm>
+            <a:off x="148389" y="1208525"/>
+            <a:ext cx="5546557" cy="3750197"/>
+          </a:xfrm>
+          <a:prstGeom prst="rect">
+            <a:avLst/>
+          </a:prstGeom>
+        </p:spPr>
+      </p:pic>
+      <p:pic>
+        <p:nvPicPr>
+          <p:cNvPr id="5" name="Picture 4">
+            <a:extLst>
+              <a:ext uri="{FF2B5EF4-FFF2-40B4-BE49-F238E27FC236}">
+                <a16:creationId xmlns:a16="http://schemas.microsoft.com/office/drawing/2014/main" id="{3A1B9DA7-ECEE-4595-A95C-E11FA5FC9D9F}"/>
+              </a:ext>
+            </a:extLst>
+          </p:cNvPr>
+          <p:cNvPicPr>
+            <a:picLocks noChangeAspect="1"/>
+          </p:cNvPicPr>
+          <p:nvPr/>
+        </p:nvPicPr>
+        <p:blipFill>
+          <a:blip r:embed="rId3"/>
+          <a:stretch>
+            <a:fillRect/>
+          </a:stretch>
+        </p:blipFill>
+        <p:spPr>
+          <a:xfrm>
+            <a:off x="5840950" y="1208524"/>
+            <a:ext cx="6202659" cy="3750197"/>
+          </a:xfrm>
+          <a:prstGeom prst="rect">
+            <a:avLst/>
+          </a:prstGeom>
+        </p:spPr>
+      </p:pic>
+      <p:pic>
+        <p:nvPicPr>
+          <p:cNvPr id="6" name="Picture 5">
+            <a:extLst>
+              <a:ext uri="{FF2B5EF4-FFF2-40B4-BE49-F238E27FC236}">
+                <a16:creationId xmlns:a16="http://schemas.microsoft.com/office/drawing/2014/main" id="{CE3E2221-890E-41E3-AB1A-2F7BA7C2BD63}"/>
+              </a:ext>
+            </a:extLst>
+          </p:cNvPr>
+          <p:cNvPicPr>
+            <a:picLocks noChangeAspect="1"/>
+          </p:cNvPicPr>
+          <p:nvPr/>
+        </p:nvPicPr>
+        <p:blipFill>
+          <a:blip r:embed="rId4"/>
+          <a:stretch>
+            <a:fillRect/>
+          </a:stretch>
+        </p:blipFill>
+        <p:spPr>
+          <a:xfrm>
+            <a:off x="148389" y="5297451"/>
+            <a:ext cx="11895220" cy="1362265"/>
+          </a:xfrm>
+          <a:prstGeom prst="rect">
+            <a:avLst/>
+          </a:prstGeom>
+        </p:spPr>
+      </p:pic>
+    </p:spTree>
+    <p:extLst>
+      <p:ext uri="{BB962C8B-B14F-4D97-AF65-F5344CB8AC3E}">
+        <p14:creationId xmlns:p14="http://schemas.microsoft.com/office/powerpoint/2010/main" val="2215272105"/>
+      </p:ext>
+    </p:extLst>
+  </p:cSld>
+  <p:clrMapOvr>
+    <a:masterClrMapping/>
+  </p:clrMapOvr>
+</p:sld>
+</file>
+
+<file path=ppt/slides/slide28.xml><?xml version="1.0" encoding="utf-8"?>
+<p:sld xmlns:a="http://schemas.openxmlformats.org/drawingml/2006/main" xmlns:r="http://schemas.openxmlformats.org/officeDocument/2006/relationships" xmlns:p="http://schemas.openxmlformats.org/presentationml/2006/main">
+  <p:cSld>
+    <p:spTree>
+      <p:nvGrpSpPr>
+        <p:cNvPr id="1" name=""/>
+        <p:cNvGrpSpPr/>
+        <p:nvPr/>
+      </p:nvGrpSpPr>
+      <p:grpSpPr>
+        <a:xfrm>
+          <a:off x="0" y="0"/>
+          <a:ext cx="0" cy="0"/>
+          <a:chOff x="0" y="0"/>
+          <a:chExt cx="0" cy="0"/>
+        </a:xfrm>
+      </p:grpSpPr>
+      <p:sp>
+        <p:nvSpPr>
+          <p:cNvPr id="2" name="Title 1">
+            <a:extLst>
+              <a:ext uri="{FF2B5EF4-FFF2-40B4-BE49-F238E27FC236}">
+                <a16:creationId xmlns:a16="http://schemas.microsoft.com/office/drawing/2014/main" id="{9A67F1B4-04E3-4BE9-91C7-121D8F7C540E}"/>
+              </a:ext>
+            </a:extLst>
+          </p:cNvPr>
+          <p:cNvSpPr>
+            <a:spLocks noGrp="1"/>
+          </p:cNvSpPr>
+          <p:nvPr>
+            <p:ph type="title"/>
+          </p:nvPr>
+        </p:nvSpPr>
+        <p:spPr>
+          <a:xfrm>
+            <a:off x="196516" y="252831"/>
+            <a:ext cx="10515600" cy="1325563"/>
+          </a:xfrm>
+        </p:spPr>
+        <p:txBody>
+          <a:bodyPr/>
+          <a:lstStyle/>
+          <a:p>
+            <a:r>
+              <a:rPr lang="en-GB" b="1" dirty="0"/>
+              <a:t>Metrics Classification Report</a:t>
+            </a:r>
+            <a:endParaRPr lang="en-GB" dirty="0"/>
+          </a:p>
+        </p:txBody>
+      </p:sp>
+      <p:pic>
+        <p:nvPicPr>
+          <p:cNvPr id="4" name="Content Placeholder 3">
+            <a:extLst>
+              <a:ext uri="{FF2B5EF4-FFF2-40B4-BE49-F238E27FC236}">
+                <a16:creationId xmlns:a16="http://schemas.microsoft.com/office/drawing/2014/main" id="{19DA8216-821E-4BF1-89D0-0296CE9CA33B}"/>
+              </a:ext>
+            </a:extLst>
+          </p:cNvPr>
+          <p:cNvPicPr>
+            <a:picLocks noGrp="1" noChangeAspect="1"/>
+          </p:cNvPicPr>
+          <p:nvPr>
+            <p:ph idx="1"/>
+          </p:nvPr>
+        </p:nvPicPr>
+        <p:blipFill>
+          <a:blip r:embed="rId2"/>
+          <a:stretch>
+            <a:fillRect/>
+          </a:stretch>
+        </p:blipFill>
+        <p:spPr>
+          <a:xfrm>
+            <a:off x="196516" y="1307816"/>
+            <a:ext cx="11798968" cy="5499029"/>
+          </a:xfrm>
+          <a:prstGeom prst="rect">
+            <a:avLst/>
+          </a:prstGeom>
+        </p:spPr>
+      </p:pic>
+    </p:spTree>
+    <p:extLst>
+      <p:ext uri="{BB962C8B-B14F-4D97-AF65-F5344CB8AC3E}">
+        <p14:creationId xmlns:p14="http://schemas.microsoft.com/office/powerpoint/2010/main" val="4102624942"/>
+      </p:ext>
+    </p:extLst>
+  </p:cSld>
+  <p:clrMapOvr>
+    <a:masterClrMapping/>
+  </p:clrMapOvr>
+</p:sld>
+</file>
+
+<file path=ppt/slides/slide29.xml><?xml version="1.0" encoding="utf-8"?>
+<p:sld xmlns:a="http://schemas.openxmlformats.org/drawingml/2006/main" xmlns:r="http://schemas.openxmlformats.org/officeDocument/2006/relationships" xmlns:p="http://schemas.openxmlformats.org/presentationml/2006/main">
+  <p:cSld>
+    <p:spTree>
+      <p:nvGrpSpPr>
+        <p:cNvPr id="1" name=""/>
+        <p:cNvGrpSpPr/>
+        <p:nvPr/>
+      </p:nvGrpSpPr>
+      <p:grpSpPr>
+        <a:xfrm>
+          <a:off x="0" y="0"/>
+          <a:ext cx="0" cy="0"/>
+          <a:chOff x="0" y="0"/>
+          <a:chExt cx="0" cy="0"/>
+        </a:xfrm>
+      </p:grpSpPr>
+      <p:sp>
+        <p:nvSpPr>
+          <p:cNvPr id="2" name="Title 1">
+            <a:extLst>
+              <a:ext uri="{FF2B5EF4-FFF2-40B4-BE49-F238E27FC236}">
+                <a16:creationId xmlns:a16="http://schemas.microsoft.com/office/drawing/2014/main" id="{08010E41-1729-42DB-9162-94019AB02794}"/>
+              </a:ext>
+            </a:extLst>
+          </p:cNvPr>
+          <p:cNvSpPr>
+            <a:spLocks noGrp="1"/>
+          </p:cNvSpPr>
+          <p:nvPr>
+            <p:ph type="title"/>
+          </p:nvPr>
+        </p:nvSpPr>
+        <p:spPr>
+          <a:xfrm>
+            <a:off x="260684" y="252830"/>
+            <a:ext cx="10515600" cy="1325563"/>
+          </a:xfrm>
+        </p:spPr>
+        <p:txBody>
+          <a:bodyPr/>
+          <a:lstStyle/>
+          <a:p>
+            <a:r>
+              <a:rPr lang="en-US" dirty="0"/>
+              <a:t>MODEL SUMMARY</a:t>
+            </a:r>
+            <a:endParaRPr lang="en-GB" dirty="0"/>
+          </a:p>
+        </p:txBody>
+      </p:sp>
+      <p:pic>
+        <p:nvPicPr>
+          <p:cNvPr id="4" name="Content Placeholder 3">
+            <a:extLst>
+              <a:ext uri="{FF2B5EF4-FFF2-40B4-BE49-F238E27FC236}">
+                <a16:creationId xmlns:a16="http://schemas.microsoft.com/office/drawing/2014/main" id="{8637A8F3-10D4-4ABC-A721-DECF6F77D9EE}"/>
+              </a:ext>
+            </a:extLst>
+          </p:cNvPr>
+          <p:cNvPicPr>
+            <a:picLocks noGrp="1" noChangeAspect="1"/>
+          </p:cNvPicPr>
+          <p:nvPr>
+            <p:ph idx="1"/>
+          </p:nvPr>
+        </p:nvPicPr>
+        <p:blipFill>
+          <a:blip r:embed="rId2"/>
+          <a:stretch>
+            <a:fillRect/>
+          </a:stretch>
+        </p:blipFill>
+        <p:spPr>
+          <a:xfrm>
+            <a:off x="260683" y="1315452"/>
+            <a:ext cx="11819021" cy="5289717"/>
+          </a:xfrm>
+          <a:prstGeom prst="rect">
+            <a:avLst/>
+          </a:prstGeom>
+        </p:spPr>
+      </p:pic>
+    </p:spTree>
+    <p:extLst>
+      <p:ext uri="{BB962C8B-B14F-4D97-AF65-F5344CB8AC3E}">
+        <p14:creationId xmlns:p14="http://schemas.microsoft.com/office/powerpoint/2010/main" val="1687774505"/>
+      </p:ext>
+    </p:extLst>
+  </p:cSld>
+  <p:clrMapOvr>
+    <a:masterClrMapping/>
+  </p:clrMapOvr>
+</p:sld>
+</file>
+
 <file path=ppt/slides/slide3.xml><?xml version="1.0" encoding="utf-8"?>
 <p:sld xmlns:a="http://schemas.openxmlformats.org/drawingml/2006/main" xmlns:r="http://schemas.openxmlformats.org/officeDocument/2006/relationships" xmlns:p="http://schemas.openxmlformats.org/presentationml/2006/main">
   <p:cSld>
@@ -4313,7 +5928,7 @@
                 <a:effectLst/>
                 <a:latin typeface="-apple-system"/>
               </a:rPr>
-              <a:t>Kaggle</a:t>
+              <a:t>Kaggle (CSV File)</a:t>
             </a:r>
           </a:p>
           <a:p>
@@ -4339,7 +5954,7 @@
                 <a:effectLst/>
                 <a:latin typeface="-apple-system"/>
               </a:rPr>
-              <a:t> Notebook</a:t>
+              <a:t> Notebook (Data cleaning and Machine Learning Codes)</a:t>
             </a:r>
           </a:p>
           <a:p>
@@ -4355,7 +5970,7 @@
                 <a:effectLst/>
                 <a:latin typeface="-apple-system"/>
               </a:rPr>
-              <a:t>PG Admin</a:t>
+              <a:t>PG Admin (SQL Database)</a:t>
             </a:r>
           </a:p>
         </p:txBody>
@@ -4370,6 +5985,192 @@
   <p:clrMapOvr>
     <a:masterClrMapping/>
   </p:clrMapOvr>
+</p:sld>
+</file>
+
+<file path=ppt/slides/slide30.xml><?xml version="1.0" encoding="utf-8"?>
+<p:sld xmlns:a="http://schemas.openxmlformats.org/drawingml/2006/main" xmlns:r="http://schemas.openxmlformats.org/officeDocument/2006/relationships" xmlns:p="http://schemas.openxmlformats.org/presentationml/2006/main">
+  <p:cSld>
+    <p:spTree>
+      <p:nvGrpSpPr>
+        <p:cNvPr id="1" name=""/>
+        <p:cNvGrpSpPr/>
+        <p:nvPr/>
+      </p:nvGrpSpPr>
+      <p:grpSpPr>
+        <a:xfrm>
+          <a:off x="0" y="0"/>
+          <a:ext cx="0" cy="0"/>
+          <a:chOff x="0" y="0"/>
+          <a:chExt cx="0" cy="0"/>
+        </a:xfrm>
+      </p:grpSpPr>
+      <p:pic>
+        <p:nvPicPr>
+          <p:cNvPr id="5" name="Content Placeholder 4" descr="Eye of a white horse">
+            <a:extLst>
+              <a:ext uri="{FF2B5EF4-FFF2-40B4-BE49-F238E27FC236}">
+                <a16:creationId xmlns:a16="http://schemas.microsoft.com/office/drawing/2014/main" id="{AA9B2018-7D31-474B-A4BF-82D18DAC719F}"/>
+              </a:ext>
+            </a:extLst>
+          </p:cNvPr>
+          <p:cNvPicPr>
+            <a:picLocks noGrp="1" noChangeAspect="1"/>
+          </p:cNvPicPr>
+          <p:nvPr>
+            <p:ph idx="1"/>
+          </p:nvPr>
+        </p:nvPicPr>
+        <p:blipFill>
+          <a:blip r:embed="rId2">
+            <a:extLst>
+              <a:ext uri="{28A0092B-C50C-407E-A947-70E740481C1C}">
+                <a14:useLocalDpi xmlns:a14="http://schemas.microsoft.com/office/drawing/2010/main" val="0"/>
+              </a:ext>
+            </a:extLst>
+          </a:blip>
+          <a:stretch>
+            <a:fillRect/>
+          </a:stretch>
+        </p:blipFill>
+        <p:spPr>
+          <a:xfrm>
+            <a:off x="224590" y="336884"/>
+            <a:ext cx="11758864" cy="6256421"/>
+          </a:xfrm>
+        </p:spPr>
+      </p:pic>
+      <p:sp>
+        <p:nvSpPr>
+          <p:cNvPr id="2" name="Title 1">
+            <a:extLst>
+              <a:ext uri="{FF2B5EF4-FFF2-40B4-BE49-F238E27FC236}">
+                <a16:creationId xmlns:a16="http://schemas.microsoft.com/office/drawing/2014/main" id="{B13B0130-2471-4423-A541-76236781151B}"/>
+              </a:ext>
+            </a:extLst>
+          </p:cNvPr>
+          <p:cNvSpPr>
+            <a:spLocks noGrp="1"/>
+          </p:cNvSpPr>
+          <p:nvPr>
+            <p:ph type="title"/>
+          </p:nvPr>
+        </p:nvSpPr>
+        <p:spPr>
+          <a:xfrm>
+            <a:off x="4050632" y="2139531"/>
+            <a:ext cx="10515600" cy="1325563"/>
+          </a:xfrm>
+        </p:spPr>
+        <p:txBody>
+          <a:bodyPr/>
+          <a:lstStyle/>
+          <a:p>
+            <a:pPr algn="ctr"/>
+            <a:r>
+              <a:rPr lang="en-US" dirty="0">
+                <a:solidFill>
+                  <a:schemeClr val="bg1"/>
+                </a:solidFill>
+              </a:rPr>
+              <a:t>THANK YOU!!!!</a:t>
+            </a:r>
+            <a:endParaRPr lang="en-GB" dirty="0">
+              <a:solidFill>
+                <a:schemeClr val="bg1"/>
+              </a:solidFill>
+            </a:endParaRPr>
+          </a:p>
+        </p:txBody>
+      </p:sp>
+    </p:spTree>
+    <p:extLst>
+      <p:ext uri="{BB962C8B-B14F-4D97-AF65-F5344CB8AC3E}">
+        <p14:creationId xmlns:p14="http://schemas.microsoft.com/office/powerpoint/2010/main" val="2249597460"/>
+      </p:ext>
+    </p:extLst>
+  </p:cSld>
+  <p:clrMapOvr>
+    <a:masterClrMapping/>
+  </p:clrMapOvr>
+  <p:timing>
+    <p:tnLst>
+      <p:par>
+        <p:cTn id="1" dur="indefinite" restart="never" nodeType="tmRoot">
+          <p:childTnLst>
+            <p:seq concurrent="1" nextAc="seek">
+              <p:cTn id="2" dur="indefinite" nodeType="mainSeq">
+                <p:childTnLst>
+                  <p:par>
+                    <p:cTn id="3" fill="hold">
+                      <p:stCondLst>
+                        <p:cond delay="indefinite"/>
+                      </p:stCondLst>
+                      <p:childTnLst>
+                        <p:par>
+                          <p:cTn id="4" fill="hold">
+                            <p:stCondLst>
+                              <p:cond delay="0"/>
+                            </p:stCondLst>
+                            <p:childTnLst>
+                              <p:par>
+                                <p:cTn id="5" presetID="1" presetClass="entr" presetSubtype="0" fill="hold" grpId="0" nodeType="clickEffect">
+                                  <p:stCondLst>
+                                    <p:cond delay="0"/>
+                                  </p:stCondLst>
+                                  <p:childTnLst>
+                                    <p:set>
+                                      <p:cBhvr>
+                                        <p:cTn id="6" dur="1" fill="hold">
+                                          <p:stCondLst>
+                                            <p:cond delay="0"/>
+                                          </p:stCondLst>
+                                        </p:cTn>
+                                        <p:tgtEl>
+                                          <p:spTgt spid="2"/>
+                                        </p:tgtEl>
+                                        <p:attrNameLst>
+                                          <p:attrName>style.visibility</p:attrName>
+                                        </p:attrNameLst>
+                                      </p:cBhvr>
+                                      <p:to>
+                                        <p:strVal val="visible"/>
+                                      </p:to>
+                                    </p:set>
+                                  </p:childTnLst>
+                                </p:cTn>
+                              </p:par>
+                            </p:childTnLst>
+                          </p:cTn>
+                        </p:par>
+                      </p:childTnLst>
+                    </p:cTn>
+                  </p:par>
+                </p:childTnLst>
+              </p:cTn>
+              <p:prevCondLst>
+                <p:cond evt="onPrev" delay="0">
+                  <p:tgtEl>
+                    <p:sldTgt/>
+                  </p:tgtEl>
+                </p:cond>
+              </p:prevCondLst>
+              <p:nextCondLst>
+                <p:cond evt="onNext" delay="0">
+                  <p:tgtEl>
+                    <p:sldTgt/>
+                  </p:tgtEl>
+                </p:cond>
+              </p:nextCondLst>
+            </p:seq>
+          </p:childTnLst>
+        </p:cTn>
+      </p:par>
+    </p:tnLst>
+    <p:bldLst>
+      <p:bldP spid="2" grpId="0"/>
+    </p:bldLst>
+  </p:timing>
 </p:sld>
 </file>
 
@@ -4395,7 +6196,7 @@
           <p:cNvPr id="2" name="Title 1">
             <a:extLst>
               <a:ext uri="{FF2B5EF4-FFF2-40B4-BE49-F238E27FC236}">
-                <a16:creationId xmlns:a16="http://schemas.microsoft.com/office/drawing/2014/main" id="{CD2684EA-C07B-42FB-9790-CC1D2F60E1AA}"/>
+                <a16:creationId xmlns:a16="http://schemas.microsoft.com/office/drawing/2014/main" id="{FD87CC99-F291-4E6E-A50F-9A3BBF935ED2}"/>
               </a:ext>
             </a:extLst>
           </p:cNvPr>
@@ -4406,123 +6207,29 @@
             <p:ph type="title"/>
           </p:nvPr>
         </p:nvSpPr>
-        <p:spPr/>
-        <p:txBody>
-          <a:bodyPr>
-            <a:normAutofit fontScale="90000"/>
-          </a:bodyPr>
-          <a:lstStyle/>
-          <a:p>
-            <a:br>
-              <a:rPr lang="en-GB" i="0" dirty="0">
-                <a:solidFill>
-                  <a:srgbClr val="24292F"/>
-                </a:solidFill>
-                <a:effectLst/>
-                <a:latin typeface="-apple-system"/>
-              </a:rPr>
-            </a:br>
-            <a:r>
-              <a:rPr lang="en-GB" i="0" dirty="0">
-                <a:solidFill>
-                  <a:srgbClr val="24292F"/>
-                </a:solidFill>
-                <a:effectLst/>
-                <a:latin typeface="-apple-system"/>
-              </a:rPr>
-              <a:t>RAW DATA PROCESSING &amp; CLEANING</a:t>
-            </a:r>
-            <a:br>
-              <a:rPr lang="en-GB" b="1" i="0" dirty="0">
-                <a:solidFill>
-                  <a:srgbClr val="24292F"/>
-                </a:solidFill>
-                <a:effectLst/>
-                <a:latin typeface="-apple-system"/>
-              </a:rPr>
-            </a:br>
+        <p:spPr>
+          <a:xfrm>
+            <a:off x="982578" y="2766218"/>
+            <a:ext cx="10515600" cy="1325563"/>
+          </a:xfrm>
+        </p:spPr>
+        <p:txBody>
+          <a:bodyPr/>
+          <a:lstStyle/>
+          <a:p>
+            <a:pPr algn="ctr"/>
+            <a:r>
+              <a:rPr lang="en-GB" sz="4400" b="1" dirty="0"/>
+              <a:t>Data Processing and Cleaning</a:t>
+            </a:r>
             <a:endParaRPr lang="en-GB" dirty="0"/>
           </a:p>
         </p:txBody>
       </p:sp>
-      <p:sp>
-        <p:nvSpPr>
-          <p:cNvPr id="3" name="Content Placeholder 2">
-            <a:extLst>
-              <a:ext uri="{FF2B5EF4-FFF2-40B4-BE49-F238E27FC236}">
-                <a16:creationId xmlns:a16="http://schemas.microsoft.com/office/drawing/2014/main" id="{AA29FB61-0468-437C-8A5C-908F9B104AFD}"/>
-              </a:ext>
-            </a:extLst>
-          </p:cNvPr>
-          <p:cNvSpPr>
-            <a:spLocks noGrp="1"/>
-          </p:cNvSpPr>
-          <p:nvPr>
-            <p:ph idx="1"/>
-          </p:nvPr>
-        </p:nvSpPr>
-        <p:spPr/>
-        <p:txBody>
-          <a:bodyPr/>
-          <a:lstStyle/>
-          <a:p>
-            <a:pPr marL="0" indent="0">
-              <a:buNone/>
-            </a:pPr>
-            <a:r>
-              <a:rPr lang="en-US" b="0" i="0" dirty="0">
-                <a:solidFill>
-                  <a:srgbClr val="24292F"/>
-                </a:solidFill>
-                <a:effectLst/>
-                <a:latin typeface="-apple-system"/>
-              </a:rPr>
-              <a:t>Initial review of the CSV file showed that there were over 700K rows across 42 columns. </a:t>
-            </a:r>
-            <a:endParaRPr lang="en-GB" dirty="0"/>
-          </a:p>
-        </p:txBody>
-      </p:sp>
-      <p:pic>
-        <p:nvPicPr>
-          <p:cNvPr id="5" name="Picture 4">
-            <a:extLst>
-              <a:ext uri="{FF2B5EF4-FFF2-40B4-BE49-F238E27FC236}">
-                <a16:creationId xmlns:a16="http://schemas.microsoft.com/office/drawing/2014/main" id="{7A919016-EBE0-4B11-8DA1-03D5BC411F2C}"/>
-              </a:ext>
-            </a:extLst>
-          </p:cNvPr>
-          <p:cNvPicPr>
-            <a:picLocks noChangeAspect="1"/>
-          </p:cNvPicPr>
-          <p:nvPr/>
-        </p:nvPicPr>
-        <p:blipFill>
-          <a:blip r:embed="rId2">
-            <a:extLst>
-              <a:ext uri="{28A0092B-C50C-407E-A947-70E740481C1C}">
-                <a14:useLocalDpi xmlns:a14="http://schemas.microsoft.com/office/drawing/2010/main" val="0"/>
-              </a:ext>
-            </a:extLst>
-          </a:blip>
-          <a:stretch>
-            <a:fillRect/>
-          </a:stretch>
-        </p:blipFill>
-        <p:spPr>
-          <a:xfrm>
-            <a:off x="838200" y="2710947"/>
-            <a:ext cx="10363200" cy="3600953"/>
-          </a:xfrm>
-          <a:prstGeom prst="rect">
-            <a:avLst/>
-          </a:prstGeom>
-        </p:spPr>
-      </p:pic>
     </p:spTree>
     <p:extLst>
       <p:ext uri="{BB962C8B-B14F-4D97-AF65-F5344CB8AC3E}">
-        <p14:creationId xmlns:p14="http://schemas.microsoft.com/office/powerpoint/2010/main" val="3106624376"/>
+        <p14:creationId xmlns:p14="http://schemas.microsoft.com/office/powerpoint/2010/main" val="995724506"/>
       </p:ext>
     </p:extLst>
   </p:cSld>
@@ -4551,28 +6258,42 @@
       </p:grpSpPr>
       <p:sp>
         <p:nvSpPr>
-          <p:cNvPr id="2" name="Title 1">
-            <a:extLst>
-              <a:ext uri="{FF2B5EF4-FFF2-40B4-BE49-F238E27FC236}">
-                <a16:creationId xmlns:a16="http://schemas.microsoft.com/office/drawing/2014/main" id="{7BFBE4A3-0062-4D09-8628-DC62662223A7}"/>
-              </a:ext>
-            </a:extLst>
-          </p:cNvPr>
-          <p:cNvSpPr>
-            <a:spLocks noGrp="1"/>
-          </p:cNvSpPr>
-          <p:nvPr>
-            <p:ph type="title"/>
-          </p:nvPr>
-        </p:nvSpPr>
-        <p:spPr/>
-        <p:txBody>
-          <a:bodyPr/>
-          <a:lstStyle/>
-          <a:p>
-            <a:r>
-              <a:rPr lang="en-US" dirty="0"/>
-              <a:t>DROPPED COLUMNS</a:t>
+          <p:cNvPr id="3" name="Content Placeholder 2">
+            <a:extLst>
+              <a:ext uri="{FF2B5EF4-FFF2-40B4-BE49-F238E27FC236}">
+                <a16:creationId xmlns:a16="http://schemas.microsoft.com/office/drawing/2014/main" id="{AA29FB61-0468-437C-8A5C-908F9B104AFD}"/>
+              </a:ext>
+            </a:extLst>
+          </p:cNvPr>
+          <p:cNvSpPr>
+            <a:spLocks noGrp="1"/>
+          </p:cNvSpPr>
+          <p:nvPr>
+            <p:ph idx="1"/>
+          </p:nvPr>
+        </p:nvSpPr>
+        <p:spPr>
+          <a:xfrm>
+            <a:off x="685800" y="535278"/>
+            <a:ext cx="10515600" cy="4351338"/>
+          </a:xfrm>
+        </p:spPr>
+        <p:txBody>
+          <a:bodyPr/>
+          <a:lstStyle/>
+          <a:p>
+            <a:pPr marL="0" indent="0">
+              <a:buNone/>
+            </a:pPr>
+            <a:r>
+              <a:rPr lang="en-US" b="0" i="0" dirty="0">
+                <a:solidFill>
+                  <a:srgbClr val="24292F"/>
+                </a:solidFill>
+                <a:effectLst/>
+                <a:latin typeface="-apple-system"/>
+              </a:rPr>
+              <a:t>Initial review of the CSV file showed that there were over 700K rows across 42 columns. </a:t>
             </a:r>
             <a:endParaRPr lang="en-GB" dirty="0"/>
           </a:p>
@@ -4580,43 +6301,38 @@
       </p:sp>
       <p:pic>
         <p:nvPicPr>
-          <p:cNvPr id="5" name="Content Placeholder 4">
-            <a:extLst>
-              <a:ext uri="{FF2B5EF4-FFF2-40B4-BE49-F238E27FC236}">
-                <a16:creationId xmlns:a16="http://schemas.microsoft.com/office/drawing/2014/main" id="{7B543BC5-98AD-4C80-806A-0C51EE122F8F}"/>
+          <p:cNvPr id="7" name="Content Placeholder 5">
+            <a:extLst>
+              <a:ext uri="{FF2B5EF4-FFF2-40B4-BE49-F238E27FC236}">
+                <a16:creationId xmlns:a16="http://schemas.microsoft.com/office/drawing/2014/main" id="{86C3907B-F27B-4117-BF60-07853BDF1312}"/>
               </a:ext>
             </a:extLst>
           </p:cNvPr>
           <p:cNvPicPr>
-            <a:picLocks noGrp="1" noChangeAspect="1"/>
+            <a:picLocks noChangeAspect="1"/>
           </p:cNvPicPr>
-          <p:nvPr>
-            <p:ph idx="1"/>
-          </p:nvPr>
+          <p:nvPr/>
         </p:nvPicPr>
         <p:blipFill>
-          <a:blip r:embed="rId2">
-            <a:extLst>
-              <a:ext uri="{28A0092B-C50C-407E-A947-70E740481C1C}">
-                <a14:useLocalDpi xmlns:a14="http://schemas.microsoft.com/office/drawing/2010/main" val="0"/>
-              </a:ext>
-            </a:extLst>
-          </a:blip>
+          <a:blip r:embed="rId2"/>
           <a:stretch>
             <a:fillRect/>
           </a:stretch>
         </p:blipFill>
         <p:spPr>
           <a:xfrm>
-            <a:off x="676781" y="1253331"/>
-            <a:ext cx="11226747" cy="5474040"/>
-          </a:xfrm>
+            <a:off x="439775" y="1297751"/>
+            <a:ext cx="11335130" cy="5239407"/>
+          </a:xfrm>
+          <a:prstGeom prst="rect">
+            <a:avLst/>
+          </a:prstGeom>
         </p:spPr>
       </p:pic>
     </p:spTree>
     <p:extLst>
       <p:ext uri="{BB962C8B-B14F-4D97-AF65-F5344CB8AC3E}">
-        <p14:creationId xmlns:p14="http://schemas.microsoft.com/office/powerpoint/2010/main" val="2099961819"/>
+        <p14:creationId xmlns:p14="http://schemas.microsoft.com/office/powerpoint/2010/main" val="3106624376"/>
       </p:ext>
     </p:extLst>
   </p:cSld>
@@ -4645,10 +6361,10 @@
       </p:grpSpPr>
       <p:sp>
         <p:nvSpPr>
-          <p:cNvPr id="2" name="Title 1">
-            <a:extLst>
-              <a:ext uri="{FF2B5EF4-FFF2-40B4-BE49-F238E27FC236}">
-                <a16:creationId xmlns:a16="http://schemas.microsoft.com/office/drawing/2014/main" id="{83E24340-90D2-4FB4-AAA0-A84106165B38}"/>
+          <p:cNvPr id="5" name="Title 1">
+            <a:extLst>
+              <a:ext uri="{FF2B5EF4-FFF2-40B4-BE49-F238E27FC236}">
+                <a16:creationId xmlns:a16="http://schemas.microsoft.com/office/drawing/2014/main" id="{22ABEA6F-8331-4FB7-9CD6-8269C527E695}"/>
               </a:ext>
             </a:extLst>
           </p:cNvPr>
@@ -4659,58 +6375,87 @@
             <p:ph type="title"/>
           </p:nvPr>
         </p:nvSpPr>
-        <p:spPr/>
-        <p:txBody>
-          <a:bodyPr/>
-          <a:lstStyle/>
-          <a:p>
-            <a:r>
-              <a:rPr lang="en-US" dirty="0"/>
-              <a:t>RENAME FEATURES</a:t>
-            </a:r>
-            <a:endParaRPr lang="en-GB" dirty="0"/>
+        <p:spPr>
+          <a:xfrm>
+            <a:off x="838200" y="365125"/>
+            <a:ext cx="10515600" cy="1325563"/>
+          </a:xfrm>
+        </p:spPr>
+        <p:txBody>
+          <a:bodyPr/>
+          <a:lstStyle/>
+          <a:p>
+            <a:r>
+              <a:rPr lang="en-GB" sz="3200" b="1" dirty="0"/>
+              <a:t>Check categorical and numeric variables</a:t>
+            </a:r>
           </a:p>
         </p:txBody>
       </p:sp>
       <p:pic>
         <p:nvPicPr>
-          <p:cNvPr id="5" name="Content Placeholder 4">
-            <a:extLst>
-              <a:ext uri="{FF2B5EF4-FFF2-40B4-BE49-F238E27FC236}">
-                <a16:creationId xmlns:a16="http://schemas.microsoft.com/office/drawing/2014/main" id="{39201724-1ECA-43A8-A59E-D055647F1D01}"/>
+          <p:cNvPr id="6" name="Content Placeholder 9">
+            <a:extLst>
+              <a:ext uri="{FF2B5EF4-FFF2-40B4-BE49-F238E27FC236}">
+                <a16:creationId xmlns:a16="http://schemas.microsoft.com/office/drawing/2014/main" id="{68498877-E2F1-45E5-9A1B-A901817DEB2A}"/>
               </a:ext>
             </a:extLst>
           </p:cNvPr>
           <p:cNvPicPr>
-            <a:picLocks noGrp="1" noChangeAspect="1"/>
+            <a:picLocks noChangeAspect="1"/>
           </p:cNvPicPr>
-          <p:nvPr>
-            <p:ph idx="1"/>
-          </p:nvPr>
+          <p:nvPr/>
         </p:nvPicPr>
         <p:blipFill>
-          <a:blip r:embed="rId2">
-            <a:extLst>
-              <a:ext uri="{28A0092B-C50C-407E-A947-70E740481C1C}">
-                <a14:useLocalDpi xmlns:a14="http://schemas.microsoft.com/office/drawing/2010/main" val="0"/>
-              </a:ext>
-            </a:extLst>
-          </a:blip>
+          <a:blip r:embed="rId2"/>
           <a:stretch>
             <a:fillRect/>
           </a:stretch>
         </p:blipFill>
         <p:spPr>
           <a:xfrm>
-            <a:off x="537004" y="1436162"/>
-            <a:ext cx="11301210" cy="4899323"/>
-          </a:xfrm>
+            <a:off x="385011" y="1249119"/>
+            <a:ext cx="5534526" cy="5423806"/>
+          </a:xfrm>
+          <a:prstGeom prst="rect">
+            <a:avLst/>
+          </a:prstGeom>
+        </p:spPr>
+      </p:pic>
+      <p:pic>
+        <p:nvPicPr>
+          <p:cNvPr id="7" name="Content Placeholder 7">
+            <a:extLst>
+              <a:ext uri="{FF2B5EF4-FFF2-40B4-BE49-F238E27FC236}">
+                <a16:creationId xmlns:a16="http://schemas.microsoft.com/office/drawing/2014/main" id="{EB1F93F8-484E-469F-AD34-33ECF83C2125}"/>
+              </a:ext>
+            </a:extLst>
+          </p:cNvPr>
+          <p:cNvPicPr>
+            <a:picLocks noChangeAspect="1"/>
+          </p:cNvPicPr>
+          <p:nvPr/>
+        </p:nvPicPr>
+        <p:blipFill>
+          <a:blip r:embed="rId3"/>
+          <a:stretch>
+            <a:fillRect/>
+          </a:stretch>
+        </p:blipFill>
+        <p:spPr>
+          <a:xfrm>
+            <a:off x="6096001" y="1231591"/>
+            <a:ext cx="5951620" cy="5474009"/>
+          </a:xfrm>
+          <a:prstGeom prst="rect">
+            <a:avLst/>
+          </a:prstGeom>
         </p:spPr>
       </p:pic>
     </p:spTree>
     <p:extLst>
       <p:ext uri="{BB962C8B-B14F-4D97-AF65-F5344CB8AC3E}">
-        <p14:creationId xmlns:p14="http://schemas.microsoft.com/office/powerpoint/2010/main" val="1266684846"/>
+        <p14:creationId xmlns:p14="http://schemas.microsoft.com/office/powerpoint/2010/main" val="1739613073"/>
       </p:ext>
     </p:extLst>
   </p:cSld>
@@ -4742,7 +6487,7 @@
           <p:cNvPr id="2" name="Title 1">
             <a:extLst>
               <a:ext uri="{FF2B5EF4-FFF2-40B4-BE49-F238E27FC236}">
-                <a16:creationId xmlns:a16="http://schemas.microsoft.com/office/drawing/2014/main" id="{0ECC67B9-FE24-43DA-9CBC-003CAD03BA84}"/>
+                <a16:creationId xmlns:a16="http://schemas.microsoft.com/office/drawing/2014/main" id="{7BFBE4A3-0062-4D09-8628-DC62662223A7}"/>
               </a:ext>
             </a:extLst>
           </p:cNvPr>
@@ -4760,7 +6505,7 @@
           <a:p>
             <a:r>
               <a:rPr lang="en-US" dirty="0"/>
-              <a:t>CONVERSION TO NUMERICAL DATA</a:t>
+              <a:t>DROPPED COLUMNS</a:t>
             </a:r>
             <a:endParaRPr lang="en-GB" dirty="0"/>
           </a:p>
@@ -4771,7 +6516,7 @@
           <p:cNvPr id="5" name="Content Placeholder 4">
             <a:extLst>
               <a:ext uri="{FF2B5EF4-FFF2-40B4-BE49-F238E27FC236}">
-                <a16:creationId xmlns:a16="http://schemas.microsoft.com/office/drawing/2014/main" id="{794A493C-A4B1-48E6-A68E-6B5FC3B82219}"/>
+                <a16:creationId xmlns:a16="http://schemas.microsoft.com/office/drawing/2014/main" id="{7B543BC5-98AD-4C80-806A-0C51EE122F8F}"/>
               </a:ext>
             </a:extLst>
           </p:cNvPr>
@@ -4796,15 +6541,15 @@
         </p:blipFill>
         <p:spPr>
           <a:xfrm>
-            <a:off x="195944" y="1469571"/>
-            <a:ext cx="11996056" cy="5192485"/>
+            <a:off x="676781" y="1253331"/>
+            <a:ext cx="11226747" cy="5474040"/>
           </a:xfrm>
         </p:spPr>
       </p:pic>
     </p:spTree>
     <p:extLst>
       <p:ext uri="{BB962C8B-B14F-4D97-AF65-F5344CB8AC3E}">
-        <p14:creationId xmlns:p14="http://schemas.microsoft.com/office/powerpoint/2010/main" val="1292605782"/>
+        <p14:creationId xmlns:p14="http://schemas.microsoft.com/office/powerpoint/2010/main" val="2099961819"/>
       </p:ext>
     </p:extLst>
   </p:cSld>
@@ -4836,7 +6581,7 @@
           <p:cNvPr id="2" name="Title 1">
             <a:extLst>
               <a:ext uri="{FF2B5EF4-FFF2-40B4-BE49-F238E27FC236}">
-                <a16:creationId xmlns:a16="http://schemas.microsoft.com/office/drawing/2014/main" id="{CD5FEFAF-5C12-432E-A7A1-418CA9718014}"/>
+                <a16:creationId xmlns:a16="http://schemas.microsoft.com/office/drawing/2014/main" id="{83E24340-90D2-4FB4-AAA0-A84106165B38}"/>
               </a:ext>
             </a:extLst>
           </p:cNvPr>
@@ -4854,7 +6599,7 @@
           <a:p>
             <a:r>
               <a:rPr lang="en-US" dirty="0"/>
-              <a:t>EXPORT TO CSV FILE</a:t>
+              <a:t>RENAME FEATURES</a:t>
             </a:r>
             <a:endParaRPr lang="en-GB" dirty="0"/>
           </a:p>
@@ -4862,10 +6607,10 @@
       </p:sp>
       <p:pic>
         <p:nvPicPr>
-          <p:cNvPr id="4" name="Content Placeholder 3">
-            <a:extLst>
-              <a:ext uri="{FF2B5EF4-FFF2-40B4-BE49-F238E27FC236}">
-                <a16:creationId xmlns:a16="http://schemas.microsoft.com/office/drawing/2014/main" id="{6D45C187-4E70-4097-9159-7401D67D4A54}"/>
+          <p:cNvPr id="5" name="Content Placeholder 4">
+            <a:extLst>
+              <a:ext uri="{FF2B5EF4-FFF2-40B4-BE49-F238E27FC236}">
+                <a16:creationId xmlns:a16="http://schemas.microsoft.com/office/drawing/2014/main" id="{39201724-1ECA-43A8-A59E-D055647F1D01}"/>
               </a:ext>
             </a:extLst>
           </p:cNvPr>
@@ -4890,18 +6635,15 @@
         </p:blipFill>
         <p:spPr>
           <a:xfrm>
-            <a:off x="838200" y="1496029"/>
-            <a:ext cx="10951029" cy="4996846"/>
-          </a:xfrm>
-          <a:prstGeom prst="rect">
-            <a:avLst/>
-          </a:prstGeom>
+            <a:off x="537004" y="1436162"/>
+            <a:ext cx="11301210" cy="4899323"/>
+          </a:xfrm>
         </p:spPr>
       </p:pic>
     </p:spTree>
     <p:extLst>
       <p:ext uri="{BB962C8B-B14F-4D97-AF65-F5344CB8AC3E}">
-        <p14:creationId xmlns:p14="http://schemas.microsoft.com/office/powerpoint/2010/main" val="3303268891"/>
+        <p14:creationId xmlns:p14="http://schemas.microsoft.com/office/powerpoint/2010/main" val="1266684846"/>
       </p:ext>
     </p:extLst>
   </p:cSld>
@@ -4933,7 +6675,7 @@
           <p:cNvPr id="2" name="Title 1">
             <a:extLst>
               <a:ext uri="{FF2B5EF4-FFF2-40B4-BE49-F238E27FC236}">
-                <a16:creationId xmlns:a16="http://schemas.microsoft.com/office/drawing/2014/main" id="{572CAE79-C82B-4669-A0C8-385D5D07C1C3}"/>
+                <a16:creationId xmlns:a16="http://schemas.microsoft.com/office/drawing/2014/main" id="{D1D4BC3C-3205-4D4D-83D6-19922FC42ABF}"/>
               </a:ext>
             </a:extLst>
           </p:cNvPr>
@@ -4944,19 +6686,14 @@
             <p:ph type="title"/>
           </p:nvPr>
         </p:nvSpPr>
-        <p:spPr>
-          <a:xfrm>
-            <a:off x="244928" y="63159"/>
-            <a:ext cx="10515600" cy="1325563"/>
-          </a:xfrm>
-        </p:spPr>
-        <p:txBody>
-          <a:bodyPr/>
-          <a:lstStyle/>
-          <a:p>
-            <a:r>
-              <a:rPr lang="en-US" dirty="0"/>
-              <a:t>MACHINE LEARNING</a:t>
+        <p:spPr/>
+        <p:txBody>
+          <a:bodyPr/>
+          <a:lstStyle/>
+          <a:p>
+            <a:r>
+              <a:rPr lang="en-GB" sz="4400" b="1" dirty="0"/>
+              <a:t>Reduce number of unique values by binning ‘rare’ categorical variables</a:t>
             </a:r>
             <a:endParaRPr lang="en-GB" dirty="0"/>
           </a:p>
@@ -4964,47 +6701,604 @@
       </p:sp>
       <p:sp>
         <p:nvSpPr>
-          <p:cNvPr id="3" name="Content Placeholder 2">
-            <a:extLst>
-              <a:ext uri="{FF2B5EF4-FFF2-40B4-BE49-F238E27FC236}">
-                <a16:creationId xmlns:a16="http://schemas.microsoft.com/office/drawing/2014/main" id="{FFFCD89D-4A7D-4FE8-B167-0E374F982FFF}"/>
-              </a:ext>
-            </a:extLst>
-          </p:cNvPr>
-          <p:cNvSpPr>
-            <a:spLocks noGrp="1"/>
-          </p:cNvSpPr>
-          <p:nvPr>
-            <p:ph idx="1"/>
-          </p:nvPr>
-        </p:nvSpPr>
-        <p:spPr>
-          <a:xfrm>
-            <a:off x="7663542" y="435952"/>
-            <a:ext cx="4256314" cy="721632"/>
-          </a:xfrm>
-        </p:spPr>
-        <p:txBody>
-          <a:bodyPr/>
-          <a:lstStyle/>
-          <a:p>
-            <a:pPr marL="0" indent="0">
-              <a:buNone/>
-            </a:pPr>
-            <a:r>
-              <a:rPr lang="en-US" dirty="0"/>
-              <a:t>Dependencies Imported</a:t>
+          <p:cNvPr id="4" name="Text Placeholder 2">
+            <a:extLst>
+              <a:ext uri="{FF2B5EF4-FFF2-40B4-BE49-F238E27FC236}">
+                <a16:creationId xmlns:a16="http://schemas.microsoft.com/office/drawing/2014/main" id="{6C53B721-6969-48B5-AE55-68E82B5F37A1}"/>
+              </a:ext>
+            </a:extLst>
+          </p:cNvPr>
+          <p:cNvSpPr txBox="1">
+            <a:spLocks/>
+          </p:cNvSpPr>
+          <p:nvPr/>
+        </p:nvSpPr>
+        <p:spPr>
+          <a:xfrm>
+            <a:off x="632947" y="1981200"/>
+            <a:ext cx="2946866" cy="576262"/>
+          </a:xfrm>
+          <a:prstGeom prst="rect">
+            <a:avLst/>
+          </a:prstGeom>
+        </p:spPr>
+        <p:txBody>
+          <a:bodyPr vert="horz" lIns="91440" tIns="45720" rIns="91440" bIns="45720" rtlCol="0">
+            <a:normAutofit/>
+          </a:bodyPr>
+          <a:lstStyle>
+            <a:lvl1pPr marL="228600" indent="-228600" algn="l" defTabSz="914400" rtl="0" eaLnBrk="1" latinLnBrk="0" hangingPunct="1">
+              <a:lnSpc>
+                <a:spcPct val="90000"/>
+              </a:lnSpc>
+              <a:spcBef>
+                <a:spcPts val="1000"/>
+              </a:spcBef>
+              <a:buFont typeface="Arial" panose="020B0604020202020204" pitchFamily="34" charset="0"/>
+              <a:buChar char="•"/>
+              <a:defRPr sz="2800" kern="1200">
+                <a:solidFill>
+                  <a:schemeClr val="tx1"/>
+                </a:solidFill>
+                <a:latin typeface="+mn-lt"/>
+                <a:ea typeface="+mn-ea"/>
+                <a:cs typeface="+mn-cs"/>
+              </a:defRPr>
+            </a:lvl1pPr>
+            <a:lvl2pPr marL="685800" indent="-228600" algn="l" defTabSz="914400" rtl="0" eaLnBrk="1" latinLnBrk="0" hangingPunct="1">
+              <a:lnSpc>
+                <a:spcPct val="90000"/>
+              </a:lnSpc>
+              <a:spcBef>
+                <a:spcPts val="500"/>
+              </a:spcBef>
+              <a:buFont typeface="Arial" panose="020B0604020202020204" pitchFamily="34" charset="0"/>
+              <a:buChar char="•"/>
+              <a:defRPr sz="2400" kern="1200">
+                <a:solidFill>
+                  <a:schemeClr val="tx1"/>
+                </a:solidFill>
+                <a:latin typeface="+mn-lt"/>
+                <a:ea typeface="+mn-ea"/>
+                <a:cs typeface="+mn-cs"/>
+              </a:defRPr>
+            </a:lvl2pPr>
+            <a:lvl3pPr marL="1143000" indent="-228600" algn="l" defTabSz="914400" rtl="0" eaLnBrk="1" latinLnBrk="0" hangingPunct="1">
+              <a:lnSpc>
+                <a:spcPct val="90000"/>
+              </a:lnSpc>
+              <a:spcBef>
+                <a:spcPts val="500"/>
+              </a:spcBef>
+              <a:buFont typeface="Arial" panose="020B0604020202020204" pitchFamily="34" charset="0"/>
+              <a:buChar char="•"/>
+              <a:defRPr sz="2000" kern="1200">
+                <a:solidFill>
+                  <a:schemeClr val="tx1"/>
+                </a:solidFill>
+                <a:latin typeface="+mn-lt"/>
+                <a:ea typeface="+mn-ea"/>
+                <a:cs typeface="+mn-cs"/>
+              </a:defRPr>
+            </a:lvl3pPr>
+            <a:lvl4pPr marL="1600200" indent="-228600" algn="l" defTabSz="914400" rtl="0" eaLnBrk="1" latinLnBrk="0" hangingPunct="1">
+              <a:lnSpc>
+                <a:spcPct val="90000"/>
+              </a:lnSpc>
+              <a:spcBef>
+                <a:spcPts val="500"/>
+              </a:spcBef>
+              <a:buFont typeface="Arial" panose="020B0604020202020204" pitchFamily="34" charset="0"/>
+              <a:buChar char="•"/>
+              <a:defRPr sz="1800" kern="1200">
+                <a:solidFill>
+                  <a:schemeClr val="tx1"/>
+                </a:solidFill>
+                <a:latin typeface="+mn-lt"/>
+                <a:ea typeface="+mn-ea"/>
+                <a:cs typeface="+mn-cs"/>
+              </a:defRPr>
+            </a:lvl4pPr>
+            <a:lvl5pPr marL="2057400" indent="-228600" algn="l" defTabSz="914400" rtl="0" eaLnBrk="1" latinLnBrk="0" hangingPunct="1">
+              <a:lnSpc>
+                <a:spcPct val="90000"/>
+              </a:lnSpc>
+              <a:spcBef>
+                <a:spcPts val="500"/>
+              </a:spcBef>
+              <a:buFont typeface="Arial" panose="020B0604020202020204" pitchFamily="34" charset="0"/>
+              <a:buChar char="•"/>
+              <a:defRPr sz="1800" kern="1200">
+                <a:solidFill>
+                  <a:schemeClr val="tx1"/>
+                </a:solidFill>
+                <a:latin typeface="+mn-lt"/>
+                <a:ea typeface="+mn-ea"/>
+                <a:cs typeface="+mn-cs"/>
+              </a:defRPr>
+            </a:lvl5pPr>
+            <a:lvl6pPr marL="2514600" indent="-228600" algn="l" defTabSz="914400" rtl="0" eaLnBrk="1" latinLnBrk="0" hangingPunct="1">
+              <a:lnSpc>
+                <a:spcPct val="90000"/>
+              </a:lnSpc>
+              <a:spcBef>
+                <a:spcPts val="500"/>
+              </a:spcBef>
+              <a:buFont typeface="Arial" panose="020B0604020202020204" pitchFamily="34" charset="0"/>
+              <a:buChar char="•"/>
+              <a:defRPr sz="1800" kern="1200">
+                <a:solidFill>
+                  <a:schemeClr val="tx1"/>
+                </a:solidFill>
+                <a:latin typeface="+mn-lt"/>
+                <a:ea typeface="+mn-ea"/>
+                <a:cs typeface="+mn-cs"/>
+              </a:defRPr>
+            </a:lvl6pPr>
+            <a:lvl7pPr marL="2971800" indent="-228600" algn="l" defTabSz="914400" rtl="0" eaLnBrk="1" latinLnBrk="0" hangingPunct="1">
+              <a:lnSpc>
+                <a:spcPct val="90000"/>
+              </a:lnSpc>
+              <a:spcBef>
+                <a:spcPts val="500"/>
+              </a:spcBef>
+              <a:buFont typeface="Arial" panose="020B0604020202020204" pitchFamily="34" charset="0"/>
+              <a:buChar char="•"/>
+              <a:defRPr sz="1800" kern="1200">
+                <a:solidFill>
+                  <a:schemeClr val="tx1"/>
+                </a:solidFill>
+                <a:latin typeface="+mn-lt"/>
+                <a:ea typeface="+mn-ea"/>
+                <a:cs typeface="+mn-cs"/>
+              </a:defRPr>
+            </a:lvl7pPr>
+            <a:lvl8pPr marL="3429000" indent="-228600" algn="l" defTabSz="914400" rtl="0" eaLnBrk="1" latinLnBrk="0" hangingPunct="1">
+              <a:lnSpc>
+                <a:spcPct val="90000"/>
+              </a:lnSpc>
+              <a:spcBef>
+                <a:spcPts val="500"/>
+              </a:spcBef>
+              <a:buFont typeface="Arial" panose="020B0604020202020204" pitchFamily="34" charset="0"/>
+              <a:buChar char="•"/>
+              <a:defRPr sz="1800" kern="1200">
+                <a:solidFill>
+                  <a:schemeClr val="tx1"/>
+                </a:solidFill>
+                <a:latin typeface="+mn-lt"/>
+                <a:ea typeface="+mn-ea"/>
+                <a:cs typeface="+mn-cs"/>
+              </a:defRPr>
+            </a:lvl8pPr>
+            <a:lvl9pPr marL="3886200" indent="-228600" algn="l" defTabSz="914400" rtl="0" eaLnBrk="1" latinLnBrk="0" hangingPunct="1">
+              <a:lnSpc>
+                <a:spcPct val="90000"/>
+              </a:lnSpc>
+              <a:spcBef>
+                <a:spcPts val="500"/>
+              </a:spcBef>
+              <a:buFont typeface="Arial" panose="020B0604020202020204" pitchFamily="34" charset="0"/>
+              <a:buChar char="•"/>
+              <a:defRPr sz="1800" kern="1200">
+                <a:solidFill>
+                  <a:schemeClr val="tx1"/>
+                </a:solidFill>
+                <a:latin typeface="+mn-lt"/>
+                <a:ea typeface="+mn-ea"/>
+                <a:cs typeface="+mn-cs"/>
+              </a:defRPr>
+            </a:lvl9pPr>
+          </a:lstStyle>
+          <a:p>
+            <a:r>
+              <a:rPr lang="en-GB"/>
+              <a:t>Jockey</a:t>
             </a:r>
             <a:endParaRPr lang="en-GB" dirty="0"/>
+          </a:p>
+        </p:txBody>
+      </p:sp>
+      <p:sp>
+        <p:nvSpPr>
+          <p:cNvPr id="5" name="Text Placeholder 4">
+            <a:extLst>
+              <a:ext uri="{FF2B5EF4-FFF2-40B4-BE49-F238E27FC236}">
+                <a16:creationId xmlns:a16="http://schemas.microsoft.com/office/drawing/2014/main" id="{1DC7EE9B-5FA3-47BA-B7A9-985A4FA67587}"/>
+              </a:ext>
+            </a:extLst>
+          </p:cNvPr>
+          <p:cNvSpPr txBox="1">
+            <a:spLocks/>
+          </p:cNvSpPr>
+          <p:nvPr/>
+        </p:nvSpPr>
+        <p:spPr>
+          <a:xfrm>
+            <a:off x="4689808" y="1981200"/>
+            <a:ext cx="2936241" cy="576262"/>
+          </a:xfrm>
+          <a:prstGeom prst="rect">
+            <a:avLst/>
+          </a:prstGeom>
+        </p:spPr>
+        <p:txBody>
+          <a:bodyPr/>
+          <a:lstStyle>
+            <a:lvl1pPr marL="228600" indent="-228600" algn="l" defTabSz="914400" rtl="0" eaLnBrk="1" latinLnBrk="0" hangingPunct="1">
+              <a:lnSpc>
+                <a:spcPct val="90000"/>
+              </a:lnSpc>
+              <a:spcBef>
+                <a:spcPts val="1000"/>
+              </a:spcBef>
+              <a:buFont typeface="Arial" panose="020B0604020202020204" pitchFamily="34" charset="0"/>
+              <a:buChar char="•"/>
+              <a:defRPr sz="2800" kern="1200">
+                <a:solidFill>
+                  <a:schemeClr val="tx1"/>
+                </a:solidFill>
+                <a:latin typeface="+mn-lt"/>
+                <a:ea typeface="+mn-ea"/>
+                <a:cs typeface="+mn-cs"/>
+              </a:defRPr>
+            </a:lvl1pPr>
+            <a:lvl2pPr marL="685800" indent="-228600" algn="l" defTabSz="914400" rtl="0" eaLnBrk="1" latinLnBrk="0" hangingPunct="1">
+              <a:lnSpc>
+                <a:spcPct val="90000"/>
+              </a:lnSpc>
+              <a:spcBef>
+                <a:spcPts val="500"/>
+              </a:spcBef>
+              <a:buFont typeface="Arial" panose="020B0604020202020204" pitchFamily="34" charset="0"/>
+              <a:buChar char="•"/>
+              <a:defRPr sz="2400" kern="1200">
+                <a:solidFill>
+                  <a:schemeClr val="tx1"/>
+                </a:solidFill>
+                <a:latin typeface="+mn-lt"/>
+                <a:ea typeface="+mn-ea"/>
+                <a:cs typeface="+mn-cs"/>
+              </a:defRPr>
+            </a:lvl2pPr>
+            <a:lvl3pPr marL="1143000" indent="-228600" algn="l" defTabSz="914400" rtl="0" eaLnBrk="1" latinLnBrk="0" hangingPunct="1">
+              <a:lnSpc>
+                <a:spcPct val="90000"/>
+              </a:lnSpc>
+              <a:spcBef>
+                <a:spcPts val="500"/>
+              </a:spcBef>
+              <a:buFont typeface="Arial" panose="020B0604020202020204" pitchFamily="34" charset="0"/>
+              <a:buChar char="•"/>
+              <a:defRPr sz="2000" kern="1200">
+                <a:solidFill>
+                  <a:schemeClr val="tx1"/>
+                </a:solidFill>
+                <a:latin typeface="+mn-lt"/>
+                <a:ea typeface="+mn-ea"/>
+                <a:cs typeface="+mn-cs"/>
+              </a:defRPr>
+            </a:lvl3pPr>
+            <a:lvl4pPr marL="1600200" indent="-228600" algn="l" defTabSz="914400" rtl="0" eaLnBrk="1" latinLnBrk="0" hangingPunct="1">
+              <a:lnSpc>
+                <a:spcPct val="90000"/>
+              </a:lnSpc>
+              <a:spcBef>
+                <a:spcPts val="500"/>
+              </a:spcBef>
+              <a:buFont typeface="Arial" panose="020B0604020202020204" pitchFamily="34" charset="0"/>
+              <a:buChar char="•"/>
+              <a:defRPr sz="1800" kern="1200">
+                <a:solidFill>
+                  <a:schemeClr val="tx1"/>
+                </a:solidFill>
+                <a:latin typeface="+mn-lt"/>
+                <a:ea typeface="+mn-ea"/>
+                <a:cs typeface="+mn-cs"/>
+              </a:defRPr>
+            </a:lvl4pPr>
+            <a:lvl5pPr marL="2057400" indent="-228600" algn="l" defTabSz="914400" rtl="0" eaLnBrk="1" latinLnBrk="0" hangingPunct="1">
+              <a:lnSpc>
+                <a:spcPct val="90000"/>
+              </a:lnSpc>
+              <a:spcBef>
+                <a:spcPts val="500"/>
+              </a:spcBef>
+              <a:buFont typeface="Arial" panose="020B0604020202020204" pitchFamily="34" charset="0"/>
+              <a:buChar char="•"/>
+              <a:defRPr sz="1800" kern="1200">
+                <a:solidFill>
+                  <a:schemeClr val="tx1"/>
+                </a:solidFill>
+                <a:latin typeface="+mn-lt"/>
+                <a:ea typeface="+mn-ea"/>
+                <a:cs typeface="+mn-cs"/>
+              </a:defRPr>
+            </a:lvl5pPr>
+            <a:lvl6pPr marL="2514600" indent="-228600" algn="l" defTabSz="914400" rtl="0" eaLnBrk="1" latinLnBrk="0" hangingPunct="1">
+              <a:lnSpc>
+                <a:spcPct val="90000"/>
+              </a:lnSpc>
+              <a:spcBef>
+                <a:spcPts val="500"/>
+              </a:spcBef>
+              <a:buFont typeface="Arial" panose="020B0604020202020204" pitchFamily="34" charset="0"/>
+              <a:buChar char="•"/>
+              <a:defRPr sz="1800" kern="1200">
+                <a:solidFill>
+                  <a:schemeClr val="tx1"/>
+                </a:solidFill>
+                <a:latin typeface="+mn-lt"/>
+                <a:ea typeface="+mn-ea"/>
+                <a:cs typeface="+mn-cs"/>
+              </a:defRPr>
+            </a:lvl6pPr>
+            <a:lvl7pPr marL="2971800" indent="-228600" algn="l" defTabSz="914400" rtl="0" eaLnBrk="1" latinLnBrk="0" hangingPunct="1">
+              <a:lnSpc>
+                <a:spcPct val="90000"/>
+              </a:lnSpc>
+              <a:spcBef>
+                <a:spcPts val="500"/>
+              </a:spcBef>
+              <a:buFont typeface="Arial" panose="020B0604020202020204" pitchFamily="34" charset="0"/>
+              <a:buChar char="•"/>
+              <a:defRPr sz="1800" kern="1200">
+                <a:solidFill>
+                  <a:schemeClr val="tx1"/>
+                </a:solidFill>
+                <a:latin typeface="+mn-lt"/>
+                <a:ea typeface="+mn-ea"/>
+                <a:cs typeface="+mn-cs"/>
+              </a:defRPr>
+            </a:lvl7pPr>
+            <a:lvl8pPr marL="3429000" indent="-228600" algn="l" defTabSz="914400" rtl="0" eaLnBrk="1" latinLnBrk="0" hangingPunct="1">
+              <a:lnSpc>
+                <a:spcPct val="90000"/>
+              </a:lnSpc>
+              <a:spcBef>
+                <a:spcPts val="500"/>
+              </a:spcBef>
+              <a:buFont typeface="Arial" panose="020B0604020202020204" pitchFamily="34" charset="0"/>
+              <a:buChar char="•"/>
+              <a:defRPr sz="1800" kern="1200">
+                <a:solidFill>
+                  <a:schemeClr val="tx1"/>
+                </a:solidFill>
+                <a:latin typeface="+mn-lt"/>
+                <a:ea typeface="+mn-ea"/>
+                <a:cs typeface="+mn-cs"/>
+              </a:defRPr>
+            </a:lvl8pPr>
+            <a:lvl9pPr marL="3886200" indent="-228600" algn="l" defTabSz="914400" rtl="0" eaLnBrk="1" latinLnBrk="0" hangingPunct="1">
+              <a:lnSpc>
+                <a:spcPct val="90000"/>
+              </a:lnSpc>
+              <a:spcBef>
+                <a:spcPts val="500"/>
+              </a:spcBef>
+              <a:buFont typeface="Arial" panose="020B0604020202020204" pitchFamily="34" charset="0"/>
+              <a:buChar char="•"/>
+              <a:defRPr sz="1800" kern="1200">
+                <a:solidFill>
+                  <a:schemeClr val="tx1"/>
+                </a:solidFill>
+                <a:latin typeface="+mn-lt"/>
+                <a:ea typeface="+mn-ea"/>
+                <a:cs typeface="+mn-cs"/>
+              </a:defRPr>
+            </a:lvl9pPr>
+          </a:lstStyle>
+          <a:p>
+            <a:r>
+              <a:rPr lang="en-GB" dirty="0"/>
+              <a:t>Trainer</a:t>
+            </a:r>
+          </a:p>
+        </p:txBody>
+      </p:sp>
+      <p:sp>
+        <p:nvSpPr>
+          <p:cNvPr id="7" name="Text Placeholder 6">
+            <a:extLst>
+              <a:ext uri="{FF2B5EF4-FFF2-40B4-BE49-F238E27FC236}">
+                <a16:creationId xmlns:a16="http://schemas.microsoft.com/office/drawing/2014/main" id="{51EF1D3B-A02D-4EB2-8E75-07229E8E2F3B}"/>
+              </a:ext>
+            </a:extLst>
+          </p:cNvPr>
+          <p:cNvSpPr txBox="1">
+            <a:spLocks/>
+          </p:cNvSpPr>
+          <p:nvPr/>
+        </p:nvSpPr>
+        <p:spPr>
+          <a:xfrm>
+            <a:off x="8256925" y="1989221"/>
+            <a:ext cx="2932113" cy="576262"/>
+          </a:xfrm>
+          <a:prstGeom prst="rect">
+            <a:avLst/>
+          </a:prstGeom>
+        </p:spPr>
+        <p:txBody>
+          <a:bodyPr/>
+          <a:lstStyle>
+            <a:lvl1pPr marL="228600" indent="-228600" algn="l" defTabSz="914400" rtl="0" eaLnBrk="1" latinLnBrk="0" hangingPunct="1">
+              <a:lnSpc>
+                <a:spcPct val="90000"/>
+              </a:lnSpc>
+              <a:spcBef>
+                <a:spcPts val="1000"/>
+              </a:spcBef>
+              <a:buFont typeface="Arial" panose="020B0604020202020204" pitchFamily="34" charset="0"/>
+              <a:buChar char="•"/>
+              <a:defRPr sz="2800" kern="1200">
+                <a:solidFill>
+                  <a:schemeClr val="tx1"/>
+                </a:solidFill>
+                <a:latin typeface="+mn-lt"/>
+                <a:ea typeface="+mn-ea"/>
+                <a:cs typeface="+mn-cs"/>
+              </a:defRPr>
+            </a:lvl1pPr>
+            <a:lvl2pPr marL="685800" indent="-228600" algn="l" defTabSz="914400" rtl="0" eaLnBrk="1" latinLnBrk="0" hangingPunct="1">
+              <a:lnSpc>
+                <a:spcPct val="90000"/>
+              </a:lnSpc>
+              <a:spcBef>
+                <a:spcPts val="500"/>
+              </a:spcBef>
+              <a:buFont typeface="Arial" panose="020B0604020202020204" pitchFamily="34" charset="0"/>
+              <a:buChar char="•"/>
+              <a:defRPr sz="2400" kern="1200">
+                <a:solidFill>
+                  <a:schemeClr val="tx1"/>
+                </a:solidFill>
+                <a:latin typeface="+mn-lt"/>
+                <a:ea typeface="+mn-ea"/>
+                <a:cs typeface="+mn-cs"/>
+              </a:defRPr>
+            </a:lvl2pPr>
+            <a:lvl3pPr marL="1143000" indent="-228600" algn="l" defTabSz="914400" rtl="0" eaLnBrk="1" latinLnBrk="0" hangingPunct="1">
+              <a:lnSpc>
+                <a:spcPct val="90000"/>
+              </a:lnSpc>
+              <a:spcBef>
+                <a:spcPts val="500"/>
+              </a:spcBef>
+              <a:buFont typeface="Arial" panose="020B0604020202020204" pitchFamily="34" charset="0"/>
+              <a:buChar char="•"/>
+              <a:defRPr sz="2000" kern="1200">
+                <a:solidFill>
+                  <a:schemeClr val="tx1"/>
+                </a:solidFill>
+                <a:latin typeface="+mn-lt"/>
+                <a:ea typeface="+mn-ea"/>
+                <a:cs typeface="+mn-cs"/>
+              </a:defRPr>
+            </a:lvl3pPr>
+            <a:lvl4pPr marL="1600200" indent="-228600" algn="l" defTabSz="914400" rtl="0" eaLnBrk="1" latinLnBrk="0" hangingPunct="1">
+              <a:lnSpc>
+                <a:spcPct val="90000"/>
+              </a:lnSpc>
+              <a:spcBef>
+                <a:spcPts val="500"/>
+              </a:spcBef>
+              <a:buFont typeface="Arial" panose="020B0604020202020204" pitchFamily="34" charset="0"/>
+              <a:buChar char="•"/>
+              <a:defRPr sz="1800" kern="1200">
+                <a:solidFill>
+                  <a:schemeClr val="tx1"/>
+                </a:solidFill>
+                <a:latin typeface="+mn-lt"/>
+                <a:ea typeface="+mn-ea"/>
+                <a:cs typeface="+mn-cs"/>
+              </a:defRPr>
+            </a:lvl4pPr>
+            <a:lvl5pPr marL="2057400" indent="-228600" algn="l" defTabSz="914400" rtl="0" eaLnBrk="1" latinLnBrk="0" hangingPunct="1">
+              <a:lnSpc>
+                <a:spcPct val="90000"/>
+              </a:lnSpc>
+              <a:spcBef>
+                <a:spcPts val="500"/>
+              </a:spcBef>
+              <a:buFont typeface="Arial" panose="020B0604020202020204" pitchFamily="34" charset="0"/>
+              <a:buChar char="•"/>
+              <a:defRPr sz="1800" kern="1200">
+                <a:solidFill>
+                  <a:schemeClr val="tx1"/>
+                </a:solidFill>
+                <a:latin typeface="+mn-lt"/>
+                <a:ea typeface="+mn-ea"/>
+                <a:cs typeface="+mn-cs"/>
+              </a:defRPr>
+            </a:lvl5pPr>
+            <a:lvl6pPr marL="2514600" indent="-228600" algn="l" defTabSz="914400" rtl="0" eaLnBrk="1" latinLnBrk="0" hangingPunct="1">
+              <a:lnSpc>
+                <a:spcPct val="90000"/>
+              </a:lnSpc>
+              <a:spcBef>
+                <a:spcPts val="500"/>
+              </a:spcBef>
+              <a:buFont typeface="Arial" panose="020B0604020202020204" pitchFamily="34" charset="0"/>
+              <a:buChar char="•"/>
+              <a:defRPr sz="1800" kern="1200">
+                <a:solidFill>
+                  <a:schemeClr val="tx1"/>
+                </a:solidFill>
+                <a:latin typeface="+mn-lt"/>
+                <a:ea typeface="+mn-ea"/>
+                <a:cs typeface="+mn-cs"/>
+              </a:defRPr>
+            </a:lvl6pPr>
+            <a:lvl7pPr marL="2971800" indent="-228600" algn="l" defTabSz="914400" rtl="0" eaLnBrk="1" latinLnBrk="0" hangingPunct="1">
+              <a:lnSpc>
+                <a:spcPct val="90000"/>
+              </a:lnSpc>
+              <a:spcBef>
+                <a:spcPts val="500"/>
+              </a:spcBef>
+              <a:buFont typeface="Arial" panose="020B0604020202020204" pitchFamily="34" charset="0"/>
+              <a:buChar char="•"/>
+              <a:defRPr sz="1800" kern="1200">
+                <a:solidFill>
+                  <a:schemeClr val="tx1"/>
+                </a:solidFill>
+                <a:latin typeface="+mn-lt"/>
+                <a:ea typeface="+mn-ea"/>
+                <a:cs typeface="+mn-cs"/>
+              </a:defRPr>
+            </a:lvl7pPr>
+            <a:lvl8pPr marL="3429000" indent="-228600" algn="l" defTabSz="914400" rtl="0" eaLnBrk="1" latinLnBrk="0" hangingPunct="1">
+              <a:lnSpc>
+                <a:spcPct val="90000"/>
+              </a:lnSpc>
+              <a:spcBef>
+                <a:spcPts val="500"/>
+              </a:spcBef>
+              <a:buFont typeface="Arial" panose="020B0604020202020204" pitchFamily="34" charset="0"/>
+              <a:buChar char="•"/>
+              <a:defRPr sz="1800" kern="1200">
+                <a:solidFill>
+                  <a:schemeClr val="tx1"/>
+                </a:solidFill>
+                <a:latin typeface="+mn-lt"/>
+                <a:ea typeface="+mn-ea"/>
+                <a:cs typeface="+mn-cs"/>
+              </a:defRPr>
+            </a:lvl8pPr>
+            <a:lvl9pPr marL="3886200" indent="-228600" algn="l" defTabSz="914400" rtl="0" eaLnBrk="1" latinLnBrk="0" hangingPunct="1">
+              <a:lnSpc>
+                <a:spcPct val="90000"/>
+              </a:lnSpc>
+              <a:spcBef>
+                <a:spcPts val="500"/>
+              </a:spcBef>
+              <a:buFont typeface="Arial" panose="020B0604020202020204" pitchFamily="34" charset="0"/>
+              <a:buChar char="•"/>
+              <a:defRPr sz="1800" kern="1200">
+                <a:solidFill>
+                  <a:schemeClr val="tx1"/>
+                </a:solidFill>
+                <a:latin typeface="+mn-lt"/>
+                <a:ea typeface="+mn-ea"/>
+                <a:cs typeface="+mn-cs"/>
+              </a:defRPr>
+            </a:lvl9pPr>
+          </a:lstStyle>
+          <a:p>
+            <a:r>
+              <a:rPr lang="en-GB" dirty="0"/>
+              <a:t>Track condition</a:t>
+            </a:r>
           </a:p>
         </p:txBody>
       </p:sp>
       <p:pic>
         <p:nvPicPr>
-          <p:cNvPr id="5" name="Picture 4">
-            <a:extLst>
-              <a:ext uri="{FF2B5EF4-FFF2-40B4-BE49-F238E27FC236}">
-                <a16:creationId xmlns:a16="http://schemas.microsoft.com/office/drawing/2014/main" id="{843B0B77-7B69-4C1B-8E68-83B1D3DCB55D}"/>
+          <p:cNvPr id="11" name="Picture 10">
+            <a:extLst>
+              <a:ext uri="{FF2B5EF4-FFF2-40B4-BE49-F238E27FC236}">
+                <a16:creationId xmlns:a16="http://schemas.microsoft.com/office/drawing/2014/main" id="{5EE193CC-B6EF-4E66-9BE0-CB8736483BA9}"/>
               </a:ext>
             </a:extLst>
           </p:cNvPr>
@@ -5014,21 +7308,75 @@
           <p:nvPr/>
         </p:nvPicPr>
         <p:blipFill>
-          <a:blip r:embed="rId2">
-            <a:extLst>
-              <a:ext uri="{28A0092B-C50C-407E-A947-70E740481C1C}">
-                <a14:useLocalDpi xmlns:a14="http://schemas.microsoft.com/office/drawing/2010/main" val="0"/>
-              </a:ext>
-            </a:extLst>
-          </a:blip>
+          <a:blip r:embed="rId2"/>
           <a:stretch>
             <a:fillRect/>
           </a:stretch>
         </p:blipFill>
         <p:spPr>
           <a:xfrm>
-            <a:off x="244928" y="1157584"/>
-            <a:ext cx="11576957" cy="5700416"/>
+            <a:off x="75913" y="2416605"/>
+            <a:ext cx="3723238" cy="4147186"/>
+          </a:xfrm>
+          <a:prstGeom prst="rect">
+            <a:avLst/>
+          </a:prstGeom>
+        </p:spPr>
+      </p:pic>
+      <p:pic>
+        <p:nvPicPr>
+          <p:cNvPr id="13" name="Picture 12">
+            <a:extLst>
+              <a:ext uri="{FF2B5EF4-FFF2-40B4-BE49-F238E27FC236}">
+                <a16:creationId xmlns:a16="http://schemas.microsoft.com/office/drawing/2014/main" id="{F8FD1D1C-381E-462B-A75E-AE53E289A48F}"/>
+              </a:ext>
+            </a:extLst>
+          </p:cNvPr>
+          <p:cNvPicPr>
+            <a:picLocks noChangeAspect="1"/>
+          </p:cNvPicPr>
+          <p:nvPr/>
+        </p:nvPicPr>
+        <p:blipFill>
+          <a:blip r:embed="rId3"/>
+          <a:stretch>
+            <a:fillRect/>
+          </a:stretch>
+        </p:blipFill>
+        <p:spPr>
+          <a:xfrm>
+            <a:off x="4072526" y="2427154"/>
+            <a:ext cx="3633901" cy="4177370"/>
+          </a:xfrm>
+          <a:prstGeom prst="rect">
+            <a:avLst/>
+          </a:prstGeom>
+        </p:spPr>
+      </p:pic>
+      <p:pic>
+        <p:nvPicPr>
+          <p:cNvPr id="14" name="Picture 13">
+            <a:extLst>
+              <a:ext uri="{FF2B5EF4-FFF2-40B4-BE49-F238E27FC236}">
+                <a16:creationId xmlns:a16="http://schemas.microsoft.com/office/drawing/2014/main" id="{8B41D0A4-316F-4EB3-B5C1-7A89F9687E4A}"/>
+              </a:ext>
+            </a:extLst>
+          </p:cNvPr>
+          <p:cNvPicPr>
+            <a:picLocks noChangeAspect="1"/>
+          </p:cNvPicPr>
+          <p:nvPr/>
+        </p:nvPicPr>
+        <p:blipFill>
+          <a:blip r:embed="rId3"/>
+          <a:stretch>
+            <a:fillRect/>
+          </a:stretch>
+        </p:blipFill>
+        <p:spPr>
+          <a:xfrm>
+            <a:off x="7975337" y="2467886"/>
+            <a:ext cx="3840389" cy="4095905"/>
           </a:xfrm>
           <a:prstGeom prst="rect">
             <a:avLst/>
@@ -5038,7 +7386,7 @@
     </p:spTree>
     <p:extLst>
       <p:ext uri="{BB962C8B-B14F-4D97-AF65-F5344CB8AC3E}">
-        <p14:creationId xmlns:p14="http://schemas.microsoft.com/office/powerpoint/2010/main" val="1235689655"/>
+        <p14:creationId xmlns:p14="http://schemas.microsoft.com/office/powerpoint/2010/main" val="1324383043"/>
       </p:ext>
     </p:extLst>
   </p:cSld>

--- a/Horse_Racing.pptx
+++ b/Horse_Racing.pptx
@@ -24,8 +24,8 @@
     <p:sldId id="277" r:id="rId18"/>
     <p:sldId id="265" r:id="rId19"/>
     <p:sldId id="266" r:id="rId20"/>
-    <p:sldId id="267" r:id="rId21"/>
-    <p:sldId id="268" r:id="rId22"/>
+    <p:sldId id="268" r:id="rId21"/>
+    <p:sldId id="267" r:id="rId22"/>
     <p:sldId id="269" r:id="rId23"/>
     <p:sldId id="278" r:id="rId24"/>
     <p:sldId id="279" r:id="rId25"/>
@@ -290,7 +290,7 @@
           <a:p>
             <a:fld id="{A9FCBCBC-EF88-4EF5-A233-D62AD66848C9}" type="datetimeFigureOut">
               <a:rPr lang="en-GB" smtClean="0"/>
-              <a:t>09/12/2021</a:t>
+              <a:t>11/12/2021</a:t>
             </a:fld>
             <a:endParaRPr lang="en-GB"/>
           </a:p>
@@ -490,7 +490,7 @@
           <a:p>
             <a:fld id="{A9FCBCBC-EF88-4EF5-A233-D62AD66848C9}" type="datetimeFigureOut">
               <a:rPr lang="en-GB" smtClean="0"/>
-              <a:t>09/12/2021</a:t>
+              <a:t>11/12/2021</a:t>
             </a:fld>
             <a:endParaRPr lang="en-GB"/>
           </a:p>
@@ -700,7 +700,7 @@
           <a:p>
             <a:fld id="{A9FCBCBC-EF88-4EF5-A233-D62AD66848C9}" type="datetimeFigureOut">
               <a:rPr lang="en-GB" smtClean="0"/>
-              <a:t>09/12/2021</a:t>
+              <a:t>11/12/2021</a:t>
             </a:fld>
             <a:endParaRPr lang="en-GB"/>
           </a:p>
@@ -900,7 +900,7 @@
           <a:p>
             <a:fld id="{A9FCBCBC-EF88-4EF5-A233-D62AD66848C9}" type="datetimeFigureOut">
               <a:rPr lang="en-GB" smtClean="0"/>
-              <a:t>09/12/2021</a:t>
+              <a:t>11/12/2021</a:t>
             </a:fld>
             <a:endParaRPr lang="en-GB"/>
           </a:p>
@@ -1176,7 +1176,7 @@
           <a:p>
             <a:fld id="{A9FCBCBC-EF88-4EF5-A233-D62AD66848C9}" type="datetimeFigureOut">
               <a:rPr lang="en-GB" smtClean="0"/>
-              <a:t>09/12/2021</a:t>
+              <a:t>11/12/2021</a:t>
             </a:fld>
             <a:endParaRPr lang="en-GB"/>
           </a:p>
@@ -1444,7 +1444,7 @@
           <a:p>
             <a:fld id="{A9FCBCBC-EF88-4EF5-A233-D62AD66848C9}" type="datetimeFigureOut">
               <a:rPr lang="en-GB" smtClean="0"/>
-              <a:t>09/12/2021</a:t>
+              <a:t>11/12/2021</a:t>
             </a:fld>
             <a:endParaRPr lang="en-GB"/>
           </a:p>
@@ -1859,7 +1859,7 @@
           <a:p>
             <a:fld id="{A9FCBCBC-EF88-4EF5-A233-D62AD66848C9}" type="datetimeFigureOut">
               <a:rPr lang="en-GB" smtClean="0"/>
-              <a:t>09/12/2021</a:t>
+              <a:t>11/12/2021</a:t>
             </a:fld>
             <a:endParaRPr lang="en-GB"/>
           </a:p>
@@ -2001,7 +2001,7 @@
           <a:p>
             <a:fld id="{A9FCBCBC-EF88-4EF5-A233-D62AD66848C9}" type="datetimeFigureOut">
               <a:rPr lang="en-GB" smtClean="0"/>
-              <a:t>09/12/2021</a:t>
+              <a:t>11/12/2021</a:t>
             </a:fld>
             <a:endParaRPr lang="en-GB"/>
           </a:p>
@@ -2114,7 +2114,7 @@
           <a:p>
             <a:fld id="{A9FCBCBC-EF88-4EF5-A233-D62AD66848C9}" type="datetimeFigureOut">
               <a:rPr lang="en-GB" smtClean="0"/>
-              <a:t>09/12/2021</a:t>
+              <a:t>11/12/2021</a:t>
             </a:fld>
             <a:endParaRPr lang="en-GB"/>
           </a:p>
@@ -2427,7 +2427,7 @@
           <a:p>
             <a:fld id="{A9FCBCBC-EF88-4EF5-A233-D62AD66848C9}" type="datetimeFigureOut">
               <a:rPr lang="en-GB" smtClean="0"/>
-              <a:t>09/12/2021</a:t>
+              <a:t>11/12/2021</a:t>
             </a:fld>
             <a:endParaRPr lang="en-GB"/>
           </a:p>
@@ -2716,7 +2716,7 @@
           <a:p>
             <a:fld id="{A9FCBCBC-EF88-4EF5-A233-D62AD66848C9}" type="datetimeFigureOut">
               <a:rPr lang="en-GB" smtClean="0"/>
-              <a:t>09/12/2021</a:t>
+              <a:t>11/12/2021</a:t>
             </a:fld>
             <a:endParaRPr lang="en-GB"/>
           </a:p>
@@ -2969,7 +2969,7 @@
           <a:p>
             <a:fld id="{A9FCBCBC-EF88-4EF5-A233-D62AD66848C9}" type="datetimeFigureOut">
               <a:rPr lang="en-GB" smtClean="0"/>
-              <a:t>09/12/2021</a:t>
+              <a:t>11/12/2021</a:t>
             </a:fld>
             <a:endParaRPr lang="en-GB"/>
           </a:p>
@@ -4632,7 +4632,7 @@
           <p:cNvPr id="2" name="Title 1">
             <a:extLst>
               <a:ext uri="{FF2B5EF4-FFF2-40B4-BE49-F238E27FC236}">
-                <a16:creationId xmlns:a16="http://schemas.microsoft.com/office/drawing/2014/main" id="{FF6F85AE-F6F8-4763-921C-FC85366C396A}"/>
+                <a16:creationId xmlns:a16="http://schemas.microsoft.com/office/drawing/2014/main" id="{A0882EC9-BC5A-443F-B795-48F79DB13DCB}"/>
               </a:ext>
             </a:extLst>
           </p:cNvPr>
@@ -4645,7 +4645,7 @@
         </p:nvSpPr>
         <p:spPr>
           <a:xfrm>
-            <a:off x="372979" y="204704"/>
+            <a:off x="405063" y="0"/>
             <a:ext cx="10515600" cy="1325563"/>
           </a:xfrm>
         </p:spPr>
@@ -4655,102 +4655,27 @@
           <a:p>
             <a:r>
               <a:rPr lang="en-US" dirty="0"/>
-              <a:t>FEATURE SELECTION</a:t>
-            </a:r>
-            <a:endParaRPr lang="en-GB" dirty="0"/>
-          </a:p>
-        </p:txBody>
-      </p:sp>
-      <p:sp>
-        <p:nvSpPr>
-          <p:cNvPr id="3" name="Content Placeholder 2">
-            <a:extLst>
-              <a:ext uri="{FF2B5EF4-FFF2-40B4-BE49-F238E27FC236}">
-                <a16:creationId xmlns:a16="http://schemas.microsoft.com/office/drawing/2014/main" id="{EC21A84B-F656-4492-90E0-7D09FA77FC4A}"/>
-              </a:ext>
-            </a:extLst>
-          </p:cNvPr>
-          <p:cNvSpPr>
-            <a:spLocks noGrp="1"/>
-          </p:cNvSpPr>
-          <p:nvPr>
-            <p:ph idx="1"/>
-          </p:nvPr>
-        </p:nvSpPr>
-        <p:spPr>
-          <a:xfrm>
-            <a:off x="372979" y="1697288"/>
-            <a:ext cx="4616116" cy="4351338"/>
-          </a:xfrm>
-        </p:spPr>
-        <p:txBody>
-          <a:bodyPr>
-            <a:normAutofit fontScale="85000" lnSpcReduction="20000"/>
-          </a:bodyPr>
-          <a:lstStyle/>
-          <a:p>
-            <a:pPr marL="0" indent="0">
-              <a:buNone/>
-            </a:pPr>
-            <a:r>
-              <a:rPr lang="en-US" dirty="0"/>
-              <a:t>PEARSON CORRELATION</a:t>
-            </a:r>
-          </a:p>
-          <a:p>
-            <a:pPr marL="0" indent="0">
-              <a:buNone/>
-            </a:pPr>
-            <a:r>
-              <a:rPr lang="en-GB" dirty="0"/>
-              <a:t>From the Pearson Correlation carried out on the feature selection for the model, we observe that the following features produce a positive relationship with the target.</a:t>
-            </a:r>
-          </a:p>
-          <a:p>
-            <a:r>
-              <a:rPr lang="en-GB" dirty="0"/>
-              <a:t>Distance covered by horse. </a:t>
-            </a:r>
-          </a:p>
-          <a:p>
-            <a:r>
-              <a:rPr lang="en-GB" dirty="0"/>
-              <a:t>Weight of the horse.</a:t>
-            </a:r>
-          </a:p>
-          <a:p>
-            <a:r>
-              <a:rPr lang="en-GB" dirty="0"/>
-              <a:t>prize money which is linked to the trainer and jockey for the particular race</a:t>
-            </a:r>
-          </a:p>
-          <a:p>
-            <a:r>
-              <a:rPr lang="en-GB" dirty="0"/>
-              <a:t>Top speed which is the speed of the horse</a:t>
-            </a:r>
-          </a:p>
-          <a:p>
-            <a:pPr marL="0" indent="0">
-              <a:buNone/>
-            </a:pPr>
+              <a:t>DATA BALANCE</a:t>
+            </a:r>
             <a:endParaRPr lang="en-GB" dirty="0"/>
           </a:p>
         </p:txBody>
       </p:sp>
       <p:pic>
         <p:nvPicPr>
-          <p:cNvPr id="4" name="Content Placeholder 4">
-            <a:extLst>
-              <a:ext uri="{FF2B5EF4-FFF2-40B4-BE49-F238E27FC236}">
-                <a16:creationId xmlns:a16="http://schemas.microsoft.com/office/drawing/2014/main" id="{BF575FCF-3D0F-4CEF-8243-57E507A09432}"/>
+          <p:cNvPr id="4" name="Content Placeholder 3">
+            <a:extLst>
+              <a:ext uri="{FF2B5EF4-FFF2-40B4-BE49-F238E27FC236}">
+                <a16:creationId xmlns:a16="http://schemas.microsoft.com/office/drawing/2014/main" id="{7DD1A377-C493-4A1B-BEF6-1745AC3F68F0}"/>
               </a:ext>
             </a:extLst>
           </p:cNvPr>
           <p:cNvPicPr>
-            <a:picLocks noChangeAspect="1"/>
+            <a:picLocks noGrp="1" noChangeAspect="1"/>
           </p:cNvPicPr>
-          <p:nvPr/>
+          <p:nvPr>
+            <p:ph idx="1"/>
+          </p:nvPr>
         </p:nvPicPr>
         <p:blipFill>
           <a:blip r:embed="rId2"/>
@@ -4760,8 +4685,8 @@
         </p:blipFill>
         <p:spPr>
           <a:xfrm>
-            <a:off x="5282029" y="204704"/>
-            <a:ext cx="6662229" cy="6448592"/>
+            <a:off x="208548" y="1315452"/>
+            <a:ext cx="11726778" cy="5325979"/>
           </a:xfrm>
           <a:prstGeom prst="rect">
             <a:avLst/>
@@ -4771,7 +4696,7 @@
     </p:spTree>
     <p:extLst>
       <p:ext uri="{BB962C8B-B14F-4D97-AF65-F5344CB8AC3E}">
-        <p14:creationId xmlns:p14="http://schemas.microsoft.com/office/powerpoint/2010/main" val="1538243571"/>
+        <p14:creationId xmlns:p14="http://schemas.microsoft.com/office/powerpoint/2010/main" val="2096838241"/>
       </p:ext>
     </p:extLst>
   </p:cSld>
@@ -4803,7 +4728,7 @@
           <p:cNvPr id="2" name="Title 1">
             <a:extLst>
               <a:ext uri="{FF2B5EF4-FFF2-40B4-BE49-F238E27FC236}">
-                <a16:creationId xmlns:a16="http://schemas.microsoft.com/office/drawing/2014/main" id="{A0882EC9-BC5A-443F-B795-48F79DB13DCB}"/>
+                <a16:creationId xmlns:a16="http://schemas.microsoft.com/office/drawing/2014/main" id="{FF6F85AE-F6F8-4763-921C-FC85366C396A}"/>
               </a:ext>
             </a:extLst>
           </p:cNvPr>
@@ -4816,7 +4741,7 @@
         </p:nvSpPr>
         <p:spPr>
           <a:xfrm>
-            <a:off x="405063" y="0"/>
+            <a:off x="372979" y="204704"/>
             <a:ext cx="10515600" cy="1325563"/>
           </a:xfrm>
         </p:spPr>
@@ -4826,27 +4751,102 @@
           <a:p>
             <a:r>
               <a:rPr lang="en-US" dirty="0"/>
-              <a:t>DATA BALANCE</a:t>
-            </a:r>
+              <a:t>FEATURE SELECTION</a:t>
+            </a:r>
+            <a:endParaRPr lang="en-GB" dirty="0"/>
+          </a:p>
+        </p:txBody>
+      </p:sp>
+      <p:sp>
+        <p:nvSpPr>
+          <p:cNvPr id="3" name="Content Placeholder 2">
+            <a:extLst>
+              <a:ext uri="{FF2B5EF4-FFF2-40B4-BE49-F238E27FC236}">
+                <a16:creationId xmlns:a16="http://schemas.microsoft.com/office/drawing/2014/main" id="{EC21A84B-F656-4492-90E0-7D09FA77FC4A}"/>
+              </a:ext>
+            </a:extLst>
+          </p:cNvPr>
+          <p:cNvSpPr>
+            <a:spLocks noGrp="1"/>
+          </p:cNvSpPr>
+          <p:nvPr>
+            <p:ph idx="1"/>
+          </p:nvPr>
+        </p:nvSpPr>
+        <p:spPr>
+          <a:xfrm>
+            <a:off x="372979" y="1697288"/>
+            <a:ext cx="4616116" cy="4351338"/>
+          </a:xfrm>
+        </p:spPr>
+        <p:txBody>
+          <a:bodyPr>
+            <a:normAutofit fontScale="85000" lnSpcReduction="20000"/>
+          </a:bodyPr>
+          <a:lstStyle/>
+          <a:p>
+            <a:pPr marL="0" indent="0">
+              <a:buNone/>
+            </a:pPr>
+            <a:r>
+              <a:rPr lang="en-US" dirty="0"/>
+              <a:t>PEARSON CORRELATION</a:t>
+            </a:r>
+          </a:p>
+          <a:p>
+            <a:pPr marL="0" indent="0">
+              <a:buNone/>
+            </a:pPr>
+            <a:r>
+              <a:rPr lang="en-GB" dirty="0"/>
+              <a:t>From the Pearson Correlation carried out on the feature selection for the model, we observe that the following features produce a positive relationship with the target.</a:t>
+            </a:r>
+          </a:p>
+          <a:p>
+            <a:r>
+              <a:rPr lang="en-GB" dirty="0"/>
+              <a:t>Distance covered by horse. </a:t>
+            </a:r>
+          </a:p>
+          <a:p>
+            <a:r>
+              <a:rPr lang="en-GB" dirty="0"/>
+              <a:t>Weight of the horse.</a:t>
+            </a:r>
+          </a:p>
+          <a:p>
+            <a:r>
+              <a:rPr lang="en-GB" dirty="0"/>
+              <a:t>prize money which is linked to the trainer and jockey for the particular race</a:t>
+            </a:r>
+          </a:p>
+          <a:p>
+            <a:r>
+              <a:rPr lang="en-GB" dirty="0"/>
+              <a:t>Top speed which is the speed of the horse</a:t>
+            </a:r>
+          </a:p>
+          <a:p>
+            <a:pPr marL="0" indent="0">
+              <a:buNone/>
+            </a:pPr>
             <a:endParaRPr lang="en-GB" dirty="0"/>
           </a:p>
         </p:txBody>
       </p:sp>
       <p:pic>
         <p:nvPicPr>
-          <p:cNvPr id="4" name="Content Placeholder 3">
-            <a:extLst>
-              <a:ext uri="{FF2B5EF4-FFF2-40B4-BE49-F238E27FC236}">
-                <a16:creationId xmlns:a16="http://schemas.microsoft.com/office/drawing/2014/main" id="{7DD1A377-C493-4A1B-BEF6-1745AC3F68F0}"/>
+          <p:cNvPr id="4" name="Content Placeholder 4">
+            <a:extLst>
+              <a:ext uri="{FF2B5EF4-FFF2-40B4-BE49-F238E27FC236}">
+                <a16:creationId xmlns:a16="http://schemas.microsoft.com/office/drawing/2014/main" id="{BF575FCF-3D0F-4CEF-8243-57E507A09432}"/>
               </a:ext>
             </a:extLst>
           </p:cNvPr>
           <p:cNvPicPr>
-            <a:picLocks noGrp="1" noChangeAspect="1"/>
+            <a:picLocks noChangeAspect="1"/>
           </p:cNvPicPr>
-          <p:nvPr>
-            <p:ph idx="1"/>
-          </p:nvPr>
+          <p:nvPr/>
         </p:nvPicPr>
         <p:blipFill>
           <a:blip r:embed="rId2"/>
@@ -4856,8 +4856,8 @@
         </p:blipFill>
         <p:spPr>
           <a:xfrm>
-            <a:off x="208548" y="1315452"/>
-            <a:ext cx="11726778" cy="5325979"/>
+            <a:off x="5282029" y="204704"/>
+            <a:ext cx="6662229" cy="6448592"/>
           </a:xfrm>
           <a:prstGeom prst="rect">
             <a:avLst/>
@@ -4867,7 +4867,7 @@
     </p:spTree>
     <p:extLst>
       <p:ext uri="{BB962C8B-B14F-4D97-AF65-F5344CB8AC3E}">
-        <p14:creationId xmlns:p14="http://schemas.microsoft.com/office/powerpoint/2010/main" val="2096838241"/>
+        <p14:creationId xmlns:p14="http://schemas.microsoft.com/office/powerpoint/2010/main" val="1538243571"/>
       </p:ext>
     </p:extLst>
   </p:cSld>

--- a/Horse_Racing.pptx
+++ b/Horse_Racing.pptx
@@ -6498,16 +6498,86 @@
             <p:ph type="title"/>
           </p:nvPr>
         </p:nvSpPr>
-        <p:spPr/>
-        <p:txBody>
-          <a:bodyPr/>
+        <p:spPr>
+          <a:xfrm>
+            <a:off x="298764" y="337965"/>
+            <a:ext cx="11561276" cy="1325563"/>
+          </a:xfrm>
+        </p:spPr>
+        <p:txBody>
+          <a:bodyPr>
+            <a:normAutofit fontScale="90000"/>
+          </a:bodyPr>
           <a:lstStyle/>
           <a:p>
             <a:r>
               <a:rPr lang="en-US" dirty="0"/>
-              <a:t>DROPPED COLUMNS</a:t>
-            </a:r>
-            <a:endParaRPr lang="en-GB" dirty="0"/>
+              <a:t>DROPPED COLUMNS:</a:t>
+            </a:r>
+            <a:br>
+              <a:rPr lang="en-US" dirty="0"/>
+            </a:br>
+            <a:r>
+              <a:rPr lang="en-US" sz="2000" dirty="0"/>
+              <a:t>A review of the column data was performed and those features that were duplicates in meaning e.g. </a:t>
+            </a:r>
+            <a:br>
+              <a:rPr lang="en-US" sz="2000" dirty="0"/>
+            </a:br>
+            <a:r>
+              <a:rPr lang="en-US" sz="2000" dirty="0"/>
+              <a:t>columns with heading month, time, year were dropped and instead only 'Date' was kept. </a:t>
+            </a:r>
+            <a:br>
+              <a:rPr lang="en-US" sz="2000" dirty="0"/>
+            </a:br>
+            <a:r>
+              <a:rPr lang="en-US" sz="2000" dirty="0"/>
+              <a:t>Also </a:t>
+            </a:r>
+            <a:r>
+              <a:rPr lang="en-US" sz="2000" dirty="0" err="1"/>
+              <a:t>dist.f</a:t>
+            </a:r>
+            <a:r>
+              <a:rPr lang="en-US" sz="2000" dirty="0"/>
+              <a:t> (distance in furlong) was dropped and </a:t>
+            </a:r>
+            <a:r>
+              <a:rPr lang="en-US" sz="2000" dirty="0" err="1"/>
+              <a:t>dist.m</a:t>
+            </a:r>
+            <a:r>
+              <a:rPr lang="en-US" sz="2000" dirty="0"/>
+              <a:t> (distance in </a:t>
+            </a:r>
+            <a:r>
+              <a:rPr lang="en-US" sz="2000" dirty="0" err="1"/>
+              <a:t>metres</a:t>
+            </a:r>
+            <a:r>
+              <a:rPr lang="en-US" sz="2000" dirty="0"/>
+              <a:t>) was kept. </a:t>
+            </a:r>
+            <a:br>
+              <a:rPr lang="en-US" sz="2000" dirty="0"/>
+            </a:br>
+            <a:r>
+              <a:rPr lang="en-US" sz="2000" dirty="0"/>
+              <a:t>Other features were dropped based on the </a:t>
+            </a:r>
+            <a:r>
+              <a:rPr lang="en-US" sz="2000"/>
+              <a:t>same assessment.</a:t>
+            </a:r>
+            <a:br>
+              <a:rPr lang="en-US" sz="2000" dirty="0"/>
+            </a:br>
+            <a:r>
+              <a:rPr lang="en-US" sz="2000" dirty="0"/>
+              <a:t>Having duplicate meanings in features would not have added value to the model. </a:t>
+            </a:r>
+            <a:endParaRPr lang="en-GB" sz="2000" dirty="0"/>
           </a:p>
         </p:txBody>
       </p:sp>
@@ -6541,8 +6611,8 @@
         </p:blipFill>
         <p:spPr>
           <a:xfrm>
-            <a:off x="676781" y="1253331"/>
-            <a:ext cx="11226747" cy="5474040"/>
+            <a:off x="298764" y="1955550"/>
+            <a:ext cx="11631925" cy="4780874"/>
           </a:xfrm>
         </p:spPr>
       </p:pic>
